--- a/Academic Work/presentations/prague/Evolve - Introduction.pptx
+++ b/Academic Work/presentations/prague/Evolve - Introduction.pptx
@@ -220,7 +220,7 @@
             <a:fld id="{CC899B31-23B7-41FA-A7A8-47EAF8E80A0A}" type="datetimeFigureOut">
               <a:rPr lang="en-US" smtClean="0"/>
               <a:pPr/>
-              <a:t>1/30/2011</a:t>
+              <a:t>2/1/2011</a:t>
             </a:fld>
             <a:endParaRPr lang="en-GB"/>
           </a:p>
@@ -844,11 +844,7 @@
           <a:p>
             <a:r>
               <a:rPr lang="en-GB" dirty="0" smtClean="0"/>
-              <a:t>Stress </a:t>
-            </a:r>
-            <a:r>
-              <a:rPr lang="en-GB" dirty="0" smtClean="0"/>
-              <a:t>that this is the “base”</a:t>
+              <a:t>Stress that this is the “base”</a:t>
             </a:r>
             <a:r>
               <a:rPr lang="en-GB" baseline="0" dirty="0" smtClean="0"/>
@@ -1104,13 +1100,8 @@
             </a:pPr>
             <a:r>
               <a:rPr lang="en-GB" baseline="0" dirty="0" smtClean="0"/>
-              <a:t>Want to have an intuitive way of designing</a:t>
-            </a:r>
-            <a:r>
-              <a:rPr lang="en-GB" baseline="0" dirty="0" smtClean="0"/>
-              <a:t>...  We will now introduce 3 concepts that unify reuse and extension.</a:t>
-            </a:r>
-            <a:endParaRPr lang="en-GB" baseline="0" dirty="0" smtClean="0"/>
+              <a:t>Want to have an intuitive way of designing...  We will now introduce 3 concepts that unify reuse and extension.</a:t>
+            </a:r>
           </a:p>
           <a:p>
             <a:endParaRPr lang="en-GB" baseline="0" dirty="0" smtClean="0"/>
@@ -2110,9 +2101,37 @@
             </a:r>
             <a:r>
               <a:rPr lang="en-GB" baseline="0" dirty="0" smtClean="0"/>
-              <a:t> can easily be made to work with existing OO environments</a:t>
-            </a:r>
-            <a:endParaRPr lang="en-GB" dirty="0"/>
+              <a:t> can easily be made to work with existing OO </a:t>
+            </a:r>
+            <a:r>
+              <a:rPr lang="en-GB" baseline="0" dirty="0" smtClean="0"/>
+              <a:t>environments</a:t>
+            </a:r>
+          </a:p>
+          <a:p>
+            <a:endParaRPr lang="en-GB" baseline="0" dirty="0" smtClean="0"/>
+          </a:p>
+          <a:p>
+            <a:r>
+              <a:rPr lang="en-GB" baseline="0" dirty="0" smtClean="0"/>
+              <a:t>Mention about “versioning” and how a version is a (deeply) immutable stratum stamped with something that guarantees this</a:t>
+            </a:r>
+          </a:p>
+          <a:p>
+            <a:r>
+              <a:rPr lang="en-GB" baseline="0" dirty="0" smtClean="0"/>
+              <a:t>	- discuss how it is perhaps odd we haven’t addressed so far given topic</a:t>
+            </a:r>
+          </a:p>
+          <a:p>
+            <a:r>
+              <a:rPr lang="en-GB" baseline="0" dirty="0" smtClean="0"/>
+              <a:t>	- version control can be treated orthogonally (</a:t>
+            </a:r>
+            <a:r>
+              <a:rPr lang="en-GB" baseline="0" smtClean="0"/>
+              <a:t>2 axes)</a:t>
+            </a:r>
           </a:p>
         </p:txBody>
       </p:sp>
@@ -3341,7 +3360,7 @@
             <a:fld id="{80205730-B28B-4293-938B-A508842901A8}" type="datetimeFigureOut">
               <a:rPr lang="en-US" smtClean="0"/>
               <a:pPr/>
-              <a:t>1/30/2011</a:t>
+              <a:t>2/1/2011</a:t>
             </a:fld>
             <a:endParaRPr lang="en-GB"/>
           </a:p>
@@ -3526,7 +3545,7 @@
             <a:fld id="{80205730-B28B-4293-938B-A508842901A8}" type="datetimeFigureOut">
               <a:rPr lang="en-US" smtClean="0"/>
               <a:pPr/>
-              <a:t>1/30/2011</a:t>
+              <a:t>2/1/2011</a:t>
             </a:fld>
             <a:endParaRPr lang="en-GB"/>
           </a:p>
@@ -3923,7 +3942,7 @@
             <a:fld id="{80205730-B28B-4293-938B-A508842901A8}" type="datetimeFigureOut">
               <a:rPr lang="en-US" smtClean="0"/>
               <a:pPr/>
-              <a:t>1/30/2011</a:t>
+              <a:t>2/1/2011</a:t>
             </a:fld>
             <a:endParaRPr lang="en-GB"/>
           </a:p>
@@ -4197,7 +4216,7 @@
             <a:fld id="{80205730-B28B-4293-938B-A508842901A8}" type="datetimeFigureOut">
               <a:rPr lang="en-US" smtClean="0"/>
               <a:pPr/>
-              <a:t>1/30/2011</a:t>
+              <a:t>2/1/2011</a:t>
             </a:fld>
             <a:endParaRPr lang="en-GB"/>
           </a:p>
@@ -4585,7 +4604,7 @@
             <a:fld id="{80205730-B28B-4293-938B-A508842901A8}" type="datetimeFigureOut">
               <a:rPr lang="en-US" smtClean="0"/>
               <a:pPr/>
-              <a:t>1/30/2011</a:t>
+              <a:t>2/1/2011</a:t>
             </a:fld>
             <a:endParaRPr lang="en-GB"/>
           </a:p>
@@ -4745,7 +4764,7 @@
             <a:fld id="{80205730-B28B-4293-938B-A508842901A8}" type="datetimeFigureOut">
               <a:rPr lang="en-US" smtClean="0"/>
               <a:pPr/>
-              <a:t>1/30/2011</a:t>
+              <a:t>2/1/2011</a:t>
             </a:fld>
             <a:endParaRPr lang="en-GB"/>
           </a:p>
@@ -4845,7 +4864,7 @@
             <a:fld id="{80205730-B28B-4293-938B-A508842901A8}" type="datetimeFigureOut">
               <a:rPr lang="en-US" smtClean="0"/>
               <a:pPr/>
-              <a:t>1/30/2011</a:t>
+              <a:t>2/1/2011</a:t>
             </a:fld>
             <a:endParaRPr lang="en-GB"/>
           </a:p>
@@ -5116,7 +5135,7 @@
             <a:fld id="{80205730-B28B-4293-938B-A508842901A8}" type="datetimeFigureOut">
               <a:rPr lang="en-US" smtClean="0"/>
               <a:pPr/>
-              <a:t>1/30/2011</a:t>
+              <a:t>2/1/2011</a:t>
             </a:fld>
             <a:endParaRPr lang="en-GB"/>
           </a:p>
@@ -5414,7 +5433,7 @@
             <a:fld id="{80205730-B28B-4293-938B-A508842901A8}" type="datetimeFigureOut">
               <a:rPr lang="en-US" smtClean="0"/>
               <a:pPr/>
-              <a:t>1/30/2011</a:t>
+              <a:t>2/1/2011</a:t>
             </a:fld>
             <a:endParaRPr lang="en-GB"/>
           </a:p>
@@ -6552,11 +6571,7 @@
             <a:pPr algn="l"/>
             <a:r>
               <a:rPr lang="en-GB" dirty="0" smtClean="0"/>
-              <a:t>An Architectural </a:t>
-            </a:r>
-            <a:r>
-              <a:rPr lang="en-GB" dirty="0" smtClean="0"/>
-              <a:t>Approach to</a:t>
+              <a:t>An Architectural Approach to</a:t>
             </a:r>
             <a:br>
               <a:rPr lang="en-GB" dirty="0" smtClean="0"/>
@@ -6597,11 +6612,7 @@
           <a:p>
             <a:r>
               <a:rPr lang="en-GB" dirty="0" smtClean="0"/>
-              <a:t>	</a:t>
-            </a:r>
-            <a:r>
-              <a:rPr lang="en-GB" dirty="0" smtClean="0"/>
-              <a:t>“towards making system </a:t>
+              <a:t>	“towards making system </a:t>
             </a:r>
             <a:r>
               <a:rPr lang="en-GB" i="1" dirty="0" smtClean="0"/>
@@ -6612,11 +6623,7 @@
           <a:p>
             <a:r>
               <a:rPr lang="en-GB" dirty="0" smtClean="0"/>
-              <a:t>as </a:t>
-            </a:r>
-            <a:r>
-              <a:rPr lang="en-GB" dirty="0" smtClean="0"/>
-              <a:t>natural as </a:t>
+              <a:t>as natural as </a:t>
             </a:r>
             <a:r>
               <a:rPr lang="en-GB" i="1" dirty="0" smtClean="0"/>
@@ -6848,23 +6855,7 @@
             <a:pPr lvl="1"/>
             <a:r>
               <a:rPr lang="en-GB" dirty="0" smtClean="0"/>
-              <a:t>System </a:t>
-            </a:r>
-            <a:r>
-              <a:rPr lang="en-GB" dirty="0" smtClean="0"/>
-              <a:t>structure should </a:t>
-            </a:r>
-            <a:r>
-              <a:rPr lang="en-GB" dirty="0" smtClean="0"/>
-              <a:t>be </a:t>
-            </a:r>
-            <a:r>
-              <a:rPr lang="en-GB" dirty="0" smtClean="0"/>
-              <a:t>explicit; </a:t>
-            </a:r>
-            <a:r>
-              <a:rPr lang="en-GB" dirty="0" smtClean="0"/>
-              <a:t>capabilities clear</a:t>
+              <a:t>System structure should be explicit; capabilities clear</a:t>
             </a:r>
           </a:p>
           <a:p>
@@ -8844,13 +8835,8 @@
           <a:p>
             <a:r>
               <a:rPr lang="en-GB" dirty="0" smtClean="0"/>
-              <a:t>Join points are created naturally</a:t>
-            </a:r>
-            <a:r>
-              <a:rPr lang="en-GB" dirty="0" smtClean="0"/>
-              <a:t>!</a:t>
-            </a:r>
-            <a:endParaRPr lang="en-GB" dirty="0" smtClean="0"/>
+              <a:t>Join points are created naturally!</a:t>
+            </a:r>
           </a:p>
         </p:txBody>
       </p:sp>
@@ -9529,11 +9515,7 @@
           <a:p>
             <a:r>
               <a:rPr lang="en-GB" dirty="0" smtClean="0"/>
-              <a:t>An </a:t>
-            </a:r>
-            <a:r>
-              <a:rPr lang="en-GB" dirty="0" smtClean="0"/>
-              <a:t>Architectural Approach</a:t>
+              <a:t>An Architectural Approach</a:t>
             </a:r>
             <a:endParaRPr lang="en-GB" dirty="0"/>
           </a:p>
@@ -13229,23 +13211,14 @@
             </a:r>
             <a:r>
               <a:rPr lang="en-GB" i="1" dirty="0" smtClean="0"/>
-              <a:t>[</a:t>
-            </a:r>
-            <a:r>
-              <a:rPr lang="en-GB" i="1" dirty="0" smtClean="0"/>
-              <a:t>Par78]</a:t>
-            </a:r>
-            <a:endParaRPr lang="en-GB" i="1" dirty="0" smtClean="0"/>
+              <a:t>[Par78]</a:t>
+            </a:r>
           </a:p>
           <a:p>
             <a:pPr lvl="1"/>
             <a:r>
               <a:rPr lang="en-GB" dirty="0" smtClean="0"/>
-              <a:t>No guarantee of source </a:t>
-            </a:r>
-            <a:r>
-              <a:rPr lang="en-GB" dirty="0" smtClean="0"/>
-              <a:t>code</a:t>
+              <a:t>No guarantee of source code</a:t>
             </a:r>
           </a:p>
         </p:txBody>
@@ -15084,15 +15057,7 @@
                   <a:schemeClr val="tx1"/>
                 </a:solidFill>
               </a:rPr>
-              <a:t> </a:t>
-            </a:r>
-            <a:r>
-              <a:rPr lang="en-GB" dirty="0" smtClean="0">
-                <a:solidFill>
-                  <a:schemeClr val="tx1"/>
-                </a:solidFill>
-              </a:rPr>
-              <a:t>UUIDs avoid lexical fragility</a:t>
+              <a:t> UUIDs avoid lexical fragility</a:t>
             </a:r>
           </a:p>
           <a:p>
@@ -15282,11 +15247,7 @@
             </a:pPr>
             <a:r>
               <a:rPr lang="en-GB" b="1" dirty="0" smtClean="0"/>
-              <a:t>					</a:t>
-            </a:r>
-            <a:r>
-              <a:rPr lang="en-GB" b="1" dirty="0" smtClean="0"/>
-              <a:t>UPGRADE</a:t>
+              <a:t>					UPGRADE</a:t>
             </a:r>
           </a:p>
           <a:p>
@@ -15301,13 +15262,8 @@
             </a:pPr>
             <a:r>
               <a:rPr lang="en-GB" b="1" dirty="0" smtClean="0"/>
-              <a:t>	</a:t>
-            </a:r>
-            <a:r>
-              <a:rPr lang="en-GB" b="1" dirty="0" smtClean="0"/>
-              <a:t>					ARCHITECTURE</a:t>
-            </a:r>
-            <a:endParaRPr lang="en-GB" b="1" dirty="0" smtClean="0"/>
+              <a:t>						ARCHITECTURE</a:t>
+            </a:r>
           </a:p>
           <a:p>
             <a:pPr lvl="1"/>
@@ -15392,15 +15348,7 @@
                   <a:schemeClr val="tx1"/>
                 </a:solidFill>
               </a:rPr>
-              <a:t> </a:t>
-            </a:r>
-            <a:r>
-              <a:rPr lang="en-GB" dirty="0" smtClean="0">
-                <a:solidFill>
-                  <a:schemeClr val="tx1"/>
-                </a:solidFill>
-              </a:rPr>
-              <a:t>Check existing extensions with upgrade</a:t>
+              <a:t> Check existing extensions with upgrade</a:t>
             </a:r>
           </a:p>
           <a:p>
@@ -15489,15 +15437,7 @@
                   <a:schemeClr val="tx1"/>
                 </a:solidFill>
               </a:rPr>
-              <a:t> </a:t>
-            </a:r>
-            <a:r>
-              <a:rPr lang="en-GB" dirty="0" smtClean="0">
-                <a:solidFill>
-                  <a:schemeClr val="tx1"/>
-                </a:solidFill>
-              </a:rPr>
-              <a:t>Combine using dependencies</a:t>
+              <a:t> Combine using dependencies</a:t>
             </a:r>
           </a:p>
           <a:p>
@@ -15611,15 +15551,7 @@
                   <a:schemeClr val="tx1"/>
                 </a:solidFill>
               </a:rPr>
-              <a:t> </a:t>
-            </a:r>
-            <a:r>
-              <a:rPr lang="en-GB" dirty="0" smtClean="0">
-                <a:solidFill>
-                  <a:schemeClr val="tx1"/>
-                </a:solidFill>
-              </a:rPr>
-              <a:t>Automatically creates extension points</a:t>
+              <a:t> Automatically creates extension points</a:t>
             </a:r>
           </a:p>
         </p:txBody>
@@ -18355,11 +18287,7 @@
             </a:pPr>
             <a:r>
               <a:rPr lang="en-GB" dirty="0" smtClean="0"/>
-              <a:t>But, haven’t components “had their day</a:t>
-            </a:r>
-            <a:r>
-              <a:rPr lang="en-GB" dirty="0" smtClean="0"/>
-              <a:t>”?</a:t>
+              <a:t>But, haven’t components “had their day”?</a:t>
             </a:r>
           </a:p>
           <a:p>
@@ -18368,13 +18296,8 @@
             </a:pPr>
             <a:r>
               <a:rPr lang="en-GB" dirty="0" smtClean="0"/>
-              <a:t>	</a:t>
-            </a:r>
-            <a:r>
-              <a:rPr lang="en-GB" dirty="0" smtClean="0"/>
-              <a:t>[MDEK95] – Darwin, [PBJ98] – SOFA</a:t>
-            </a:r>
-            <a:endParaRPr lang="en-GB" dirty="0" smtClean="0"/>
+              <a:t>	[MDEK95] – Darwin, [PBJ98] – SOFA</a:t>
+            </a:r>
           </a:p>
         </p:txBody>
       </p:sp>
@@ -19059,13 +18982,8 @@
             <a:pPr lvl="1"/>
             <a:r>
               <a:rPr lang="en-GB" dirty="0" smtClean="0"/>
-              <a:t>Creation does not limit </a:t>
-            </a:r>
-            <a:r>
-              <a:rPr lang="en-GB" dirty="0" smtClean="0"/>
-              <a:t>extensibility – creates extension pts</a:t>
-            </a:r>
-            <a:endParaRPr lang="en-GB" dirty="0" smtClean="0"/>
+              <a:t>Creation does not limit extensibility – creates extension pts</a:t>
+            </a:r>
           </a:p>
           <a:p>
             <a:pPr lvl="1"/>
@@ -19083,7 +19001,6 @@
               <a:rPr lang="en-GB" dirty="0" smtClean="0"/>
               <a:t>Integrates reuse and evolution concepts</a:t>
             </a:r>
-            <a:endParaRPr lang="en-GB" dirty="0" smtClean="0"/>
           </a:p>
           <a:p>
             <a:pPr lvl="1"/>
@@ -19326,15 +19243,7 @@
           <a:p>
             <a:r>
               <a:rPr lang="en-GB" sz="1400" dirty="0" smtClean="0"/>
-              <a:t>[KF98]- Toward </a:t>
-            </a:r>
-            <a:r>
-              <a:rPr lang="en-GB" sz="1400" dirty="0" smtClean="0"/>
-              <a:t>a Formal Theory of Extensible </a:t>
-            </a:r>
-            <a:r>
-              <a:rPr lang="en-GB" sz="1400" dirty="0" smtClean="0"/>
-              <a:t>Software</a:t>
+              <a:t>[KF98]- Toward a Formal Theory of Extensible Software</a:t>
             </a:r>
           </a:p>
           <a:p>
@@ -19371,11 +19280,7 @@
           <a:p>
             <a:r>
               <a:rPr lang="en-GB" sz="1400" dirty="0" smtClean="0"/>
-              <a:t>[Par78] - Designing Software for Ease of Extension and </a:t>
-            </a:r>
-            <a:r>
-              <a:rPr lang="en-GB" sz="1400" dirty="0" smtClean="0"/>
-              <a:t>Contraction</a:t>
+              <a:t>[Par78] - Designing Software for Ease of Extension and Contraction</a:t>
             </a:r>
           </a:p>
           <a:p>
@@ -19400,22 +19305,14 @@
           <a:p>
             <a:r>
               <a:rPr lang="en-GB" sz="1400" dirty="0" smtClean="0"/>
-              <a:t>[BBHL04] - Software </a:t>
-            </a:r>
+              <a:t>[BBHL04] - Software Evolution</a:t>
+            </a:r>
+          </a:p>
+          <a:p>
+            <a:pPr lvl="1"/>
             <a:r>
               <a:rPr lang="en-GB" sz="1400" dirty="0" smtClean="0"/>
-              <a:t>Evolution</a:t>
-            </a:r>
-          </a:p>
-          <a:p>
-            <a:pPr lvl="1"/>
-            <a:r>
-              <a:rPr lang="en-GB" sz="1400" dirty="0" smtClean="0"/>
-              <a:t>Keith </a:t>
-            </a:r>
-            <a:r>
-              <a:rPr lang="en-GB" sz="1400" dirty="0" smtClean="0"/>
-              <a:t>Bennett, David </a:t>
+              <a:t>Keith Bennett, David </a:t>
             </a:r>
             <a:r>
               <a:rPr lang="en-GB" sz="1400" dirty="0" err="1" smtClean="0"/>
@@ -19444,15 +19341,7 @@
           <a:p>
             <a:r>
               <a:rPr lang="en-GB" sz="1400" dirty="0" smtClean="0"/>
-              <a:t>[Ben03] - </a:t>
-            </a:r>
-            <a:r>
-              <a:rPr lang="en-GB" sz="1400" dirty="0" smtClean="0"/>
-              <a:t>The software maintenance of large software systems: Management, methods and </a:t>
-            </a:r>
-            <a:r>
-              <a:rPr lang="en-GB" sz="1400" dirty="0" smtClean="0"/>
-              <a:t>tools</a:t>
+              <a:t>[Ben03] - The software maintenance of large software systems: Management, methods and tools</a:t>
             </a:r>
           </a:p>
           <a:p>
@@ -19469,11 +19358,7 @@
           <a:p>
             <a:r>
               <a:rPr lang="en-GB" sz="1400" u="sng" dirty="0" smtClean="0"/>
-              <a:t>[MDEK95] - Specifying Distributed Software </a:t>
-            </a:r>
-            <a:r>
-              <a:rPr lang="en-GB" sz="1400" u="sng" dirty="0" smtClean="0"/>
-              <a:t>Architectures</a:t>
+              <a:t>[MDEK95] - Specifying Distributed Software Architectures</a:t>
             </a:r>
           </a:p>
           <a:p>
@@ -19514,11 +19399,7 @@
             </a:r>
             <a:r>
               <a:rPr lang="en-GB" sz="1400" dirty="0" smtClean="0"/>
-              <a:t>SOFA/DCUP: Architecture for Component Trading and Dynamic </a:t>
-            </a:r>
-            <a:r>
-              <a:rPr lang="en-GB" sz="1400" dirty="0" smtClean="0"/>
-              <a:t>Updating</a:t>
+              <a:t>SOFA/DCUP: Architecture for Component Trading and Dynamic Updating</a:t>
             </a:r>
           </a:p>
           <a:p>
@@ -19551,11 +19432,7 @@
           <a:p>
             <a:r>
               <a:rPr lang="en-GB" sz="1400" dirty="0" smtClean="0"/>
-              <a:t>[</a:t>
-            </a:r>
-            <a:r>
-              <a:rPr lang="en-GB" sz="1400" dirty="0" smtClean="0"/>
-              <a:t>PV02] - </a:t>
+              <a:t>[PV02] - </a:t>
             </a:r>
             <a:r>
               <a:rPr lang="en-GB" sz="1400" dirty="0" err="1" smtClean="0"/>
@@ -19563,11 +19440,7 @@
             </a:r>
             <a:r>
               <a:rPr lang="en-GB" sz="1400" dirty="0" smtClean="0"/>
-              <a:t> Protocols for Software </a:t>
-            </a:r>
-            <a:r>
-              <a:rPr lang="en-GB" sz="1400" dirty="0" smtClean="0"/>
-              <a:t>Components</a:t>
+              <a:t> Protocols for Software Components</a:t>
             </a:r>
           </a:p>
           <a:p>
@@ -19590,25 +19463,13 @@
             </a:r>
             <a:r>
               <a:rPr lang="en-GB" sz="1400" u="sng" dirty="0" smtClean="0"/>
-              <a:t>IEEE Transactions on Software </a:t>
-            </a:r>
-            <a:r>
-              <a:rPr lang="en-GB" sz="1400" u="sng" dirty="0" smtClean="0"/>
-              <a:t>Engineering 2002</a:t>
+              <a:t>IEEE Transactions on Software Engineering 2002</a:t>
             </a:r>
           </a:p>
           <a:p>
             <a:r>
               <a:rPr lang="en-GB" sz="1400" dirty="0" smtClean="0"/>
-              <a:t>[</a:t>
-            </a:r>
-            <a:r>
-              <a:rPr lang="en-GB" sz="1400" dirty="0" smtClean="0"/>
-              <a:t>MK06] - Concurrency (State Models and Java Programs</a:t>
-            </a:r>
-            <a:r>
-              <a:rPr lang="en-GB" sz="1400" dirty="0" smtClean="0"/>
-              <a:t>)</a:t>
+              <a:t>[MK06] - Concurrency (State Models and Java Programs)</a:t>
             </a:r>
           </a:p>
           <a:p>
@@ -19619,11 +19480,7 @@
             </a:r>
             <a:r>
               <a:rPr lang="en-GB" sz="1400" u="sng" dirty="0" smtClean="0"/>
-              <a:t>John Wiley and Sons </a:t>
-            </a:r>
-            <a:r>
-              <a:rPr lang="en-GB" sz="1400" u="sng" dirty="0" smtClean="0"/>
-              <a:t>Ltd 2006</a:t>
+              <a:t>John Wiley and Sons Ltd 2006</a:t>
             </a:r>
           </a:p>
           <a:p>
@@ -19706,13 +19563,8 @@
           <a:p>
             <a:r>
               <a:rPr lang="en-GB" dirty="0" smtClean="0"/>
-              <a:t>Allows others to customise </a:t>
-            </a:r>
-            <a:r>
-              <a:rPr lang="en-GB" dirty="0" smtClean="0"/>
-              <a:t>an application</a:t>
-            </a:r>
-            <a:endParaRPr lang="en-GB" dirty="0" smtClean="0"/>
+              <a:t>Allows others to customise an application</a:t>
+            </a:r>
           </a:p>
           <a:p>
             <a:pPr lvl="1"/>
@@ -19732,15 +19584,7 @@
             <a:pPr lvl="1"/>
             <a:r>
               <a:rPr lang="en-GB" dirty="0" smtClean="0"/>
-              <a:t>Scalable e</a:t>
-            </a:r>
-            <a:r>
-              <a:rPr lang="en-GB" dirty="0" smtClean="0"/>
-              <a:t>cosystem </a:t>
-            </a:r>
-            <a:r>
-              <a:rPr lang="en-GB" dirty="0" smtClean="0"/>
-              <a:t>– better for end users</a:t>
+              <a:t>Scalable ecosystem – better for end users</a:t>
             </a:r>
           </a:p>
           <a:p>
@@ -19874,13 +19718,8 @@
             </a:r>
             <a:r>
               <a:rPr lang="nb-NO" sz="2800" i="1" dirty="0" smtClean="0"/>
-              <a:t>Keith Bennett et al [BBHL04</a:t>
-            </a:r>
-            <a:r>
-              <a:rPr lang="nb-NO" sz="2800" i="1" dirty="0" smtClean="0"/>
-              <a:t>]</a:t>
-            </a:r>
-            <a:endParaRPr lang="nb-NO" sz="2800" i="1" dirty="0" smtClean="0"/>
+              <a:t>Keith Bennett et al [BBHL04]</a:t>
+            </a:r>
           </a:p>
         </p:txBody>
       </p:sp>
@@ -20529,36 +20368,19 @@
             </a:pPr>
             <a:r>
               <a:rPr lang="en-GB" dirty="0" smtClean="0"/>
-              <a:t>... but </a:t>
-            </a:r>
+              <a:t>... but this is strange, as we know that ...</a:t>
+            </a:r>
+          </a:p>
+          <a:p>
+            <a:pPr lvl="1"/>
             <a:r>
               <a:rPr lang="en-GB" dirty="0" smtClean="0"/>
-              <a:t>this is strange, as we know that ...</a:t>
-            </a:r>
-          </a:p>
-          <a:p>
-            <a:pPr lvl="1"/>
-            <a:r>
-              <a:rPr lang="en-GB" dirty="0" smtClean="0"/>
-              <a:t>Evolution and maintenance </a:t>
-            </a:r>
-            <a:r>
-              <a:rPr lang="en-GB" dirty="0" smtClean="0"/>
-              <a:t>can be the largest part of a </a:t>
-            </a:r>
-            <a:r>
-              <a:rPr lang="en-GB" dirty="0" smtClean="0"/>
-              <a:t>system’s entire effort </a:t>
+              <a:t>Evolution and maintenance can be the largest part of a system’s entire effort </a:t>
             </a:r>
             <a:r>
               <a:rPr lang="en-GB" i="1" dirty="0" smtClean="0"/>
-              <a:t>[</a:t>
-            </a:r>
-            <a:r>
-              <a:rPr lang="en-GB" i="1" dirty="0" smtClean="0"/>
-              <a:t>Ben03]</a:t>
-            </a:r>
-            <a:endParaRPr lang="en-GB" i="1" dirty="0" smtClean="0"/>
+              <a:t>[Ben03]</a:t>
+            </a:r>
           </a:p>
           <a:p>
             <a:pPr lvl="1"/>

--- a/Academic Work/presentations/prague/Evolve - Introduction.pptx
+++ b/Academic Work/presentations/prague/Evolve - Introduction.pptx
@@ -5,7 +5,7 @@
     <p:sldMasterId id="2147484032" r:id="rId1"/>
   </p:sldMasterIdLst>
   <p:notesMasterIdLst>
-    <p:notesMasterId r:id="rId30"/>
+    <p:notesMasterId r:id="rId31"/>
   </p:notesMasterIdLst>
   <p:sldIdLst>
     <p:sldId id="256" r:id="rId2"/>
@@ -31,11 +31,12 @@
     <p:sldId id="277" r:id="rId22"/>
     <p:sldId id="278" r:id="rId23"/>
     <p:sldId id="282" r:id="rId24"/>
-    <p:sldId id="279" r:id="rId25"/>
-    <p:sldId id="273" r:id="rId26"/>
-    <p:sldId id="281" r:id="rId27"/>
-    <p:sldId id="283" r:id="rId28"/>
-    <p:sldId id="284" r:id="rId29"/>
+    <p:sldId id="285" r:id="rId25"/>
+    <p:sldId id="279" r:id="rId26"/>
+    <p:sldId id="273" r:id="rId27"/>
+    <p:sldId id="281" r:id="rId28"/>
+    <p:sldId id="283" r:id="rId29"/>
+    <p:sldId id="284" r:id="rId30"/>
   </p:sldIdLst>
   <p:sldSz cx="9144000" cy="6858000" type="screen4x3"/>
   <p:notesSz cx="9144000" cy="6858000"/>
@@ -1326,7 +1327,15 @@
             </a:pPr>
             <a:r>
               <a:rPr lang="en-GB" dirty="0" smtClean="0"/>
-              <a:t>1 level deep; apply at multiple levels for depth</a:t>
+              <a:t>Note</a:t>
+            </a:r>
+            <a:r>
+              <a:rPr lang="en-GB" baseline="0" dirty="0" smtClean="0"/>
+              <a:t> </a:t>
+            </a:r>
+            <a:r>
+              <a:rPr lang="en-GB" baseline="0" dirty="0" smtClean="0"/>
+              <a:t>that we work with the fully expanded structure at all times.</a:t>
             </a:r>
           </a:p>
           <a:p>
@@ -1348,12 +1357,8 @@
               <a:defRPr/>
             </a:pPr>
             <a:r>
-              <a:rPr lang="en-GB" dirty="0" smtClean="0"/>
-              <a:t>Note</a:t>
-            </a:r>
-            <a:r>
               <a:rPr lang="en-GB" baseline="0" dirty="0" smtClean="0"/>
-              <a:t> that we work with the fully expanded structure at all times.</a:t>
+              <a:t>Creates deltas really...  But so does initial creation.</a:t>
             </a:r>
           </a:p>
           <a:p>
@@ -1376,30 +1381,11 @@
             </a:pPr>
             <a:r>
               <a:rPr lang="en-GB" baseline="0" dirty="0" smtClean="0"/>
-              <a:t>Creates deltas really...  But so does initial creation.</a:t>
-            </a:r>
-          </a:p>
-          <a:p>
-            <a:pPr marL="0" marR="0" indent="0" algn="l" defTabSz="914400" rtl="0" eaLnBrk="1" fontAlgn="auto" latinLnBrk="0" hangingPunct="1">
-              <a:lnSpc>
-                <a:spcPct val="100000"/>
-              </a:lnSpc>
-              <a:spcBef>
-                <a:spcPts val="0"/>
-              </a:spcBef>
-              <a:spcAft>
-                <a:spcPts val="0"/>
-              </a:spcAft>
-              <a:buClrTx/>
-              <a:buSzTx/>
-              <a:buFontTx/>
-              <a:buNone/>
-              <a:tabLst/>
-              <a:defRPr/>
-            </a:pPr>
+              <a:t>Specifically mention UUIDs -- means </a:t>
+            </a:r>
             <a:r>
               <a:rPr lang="en-GB" baseline="0" dirty="0" smtClean="0"/>
-              <a:t>UUIDs means this is not lexically fragile.</a:t>
+              <a:t>this is not lexically fragile.</a:t>
             </a:r>
           </a:p>
           <a:p>
@@ -1517,13 +1503,70 @@
             <a:pPr algn="l"/>
             <a:r>
               <a:rPr lang="en-GB" dirty="0" smtClean="0"/>
-              <a:t>Explain how this adds</a:t>
+              <a:t>Explain </a:t>
+            </a:r>
+            <a:r>
+              <a:rPr lang="en-GB" dirty="0" smtClean="0"/>
+              <a:t>how this adds</a:t>
             </a:r>
             <a:r>
               <a:rPr lang="en-GB" baseline="0" dirty="0" smtClean="0"/>
-              <a:t> replacement to the existing reuse/resemblance concept... Gives evolutions rather than just reuse.</a:t>
-            </a:r>
-            <a:endParaRPr lang="en-GB" dirty="0"/>
+              <a:t> replacement to the existing reuse/resemblance concept... Gives evolutions rather than just reuse</a:t>
+            </a:r>
+            <a:r>
+              <a:rPr lang="en-GB" baseline="0" dirty="0" smtClean="0"/>
+              <a:t>.</a:t>
+            </a:r>
+          </a:p>
+          <a:p>
+            <a:pPr algn="l"/>
+            <a:r>
+              <a:rPr lang="en-GB" baseline="0" dirty="0" smtClean="0"/>
+              <a:t>Mention renaming! – just a human construct...</a:t>
+            </a:r>
+          </a:p>
+          <a:p>
+            <a:pPr marL="0" marR="0" indent="0" algn="l" defTabSz="914400" rtl="0" eaLnBrk="1" fontAlgn="auto" latinLnBrk="0" hangingPunct="1">
+              <a:lnSpc>
+                <a:spcPct val="100000"/>
+              </a:lnSpc>
+              <a:spcBef>
+                <a:spcPts val="0"/>
+              </a:spcBef>
+              <a:spcAft>
+                <a:spcPts val="0"/>
+              </a:spcAft>
+              <a:buClrTx/>
+              <a:buSzTx/>
+              <a:buFontTx/>
+              <a:buNone/>
+              <a:tabLst/>
+              <a:defRPr/>
+            </a:pPr>
+            <a:endParaRPr lang="en-GB" dirty="0" smtClean="0"/>
+          </a:p>
+          <a:p>
+            <a:pPr marL="0" marR="0" indent="0" algn="l" defTabSz="914400" rtl="0" eaLnBrk="1" fontAlgn="auto" latinLnBrk="0" hangingPunct="1">
+              <a:lnSpc>
+                <a:spcPct val="100000"/>
+              </a:lnSpc>
+              <a:spcBef>
+                <a:spcPts val="0"/>
+              </a:spcBef>
+              <a:spcAft>
+                <a:spcPts val="0"/>
+              </a:spcAft>
+              <a:buClrTx/>
+              <a:buSzTx/>
+              <a:buFontTx/>
+              <a:buNone/>
+              <a:tabLst/>
+              <a:defRPr/>
+            </a:pPr>
+            <a:r>
+              <a:rPr lang="en-GB" dirty="0" smtClean="0"/>
+              <a:t>1 level deep; apply at multiple levels for depth</a:t>
+            </a:r>
           </a:p>
         </p:txBody>
       </p:sp>
@@ -1898,7 +1941,12 @@
             <p:ph type="sldImg"/>
           </p:nvPr>
         </p:nvSpPr>
-        <p:spPr/>
+        <p:spPr>
+          <a:xfrm>
+            <a:off x="1714500" y="142875"/>
+            <a:ext cx="5715000" cy="4286250"/>
+          </a:xfrm>
+        </p:spPr>
       </p:sp>
       <p:sp>
         <p:nvSpPr>
@@ -1917,6 +1965,68 @@
           </a:bodyPr>
           <a:lstStyle/>
           <a:p>
+            <a:r>
+              <a:rPr lang="en-GB" dirty="0" smtClean="0"/>
+              <a:t>Each stratum contains definitions</a:t>
+            </a:r>
+            <a:r>
+              <a:rPr lang="en-GB" baseline="0" dirty="0" smtClean="0"/>
+              <a:t>, resemblance and evolutions</a:t>
+            </a:r>
+          </a:p>
+          <a:p>
+            <a:pPr>
+              <a:buFontTx/>
+              <a:buChar char="-"/>
+            </a:pPr>
+            <a:r>
+              <a:rPr lang="en-GB" baseline="0" dirty="0" smtClean="0"/>
+              <a:t>They work on the system as if they own it, deltas created behind the scenes</a:t>
+            </a:r>
+          </a:p>
+          <a:p>
+            <a:pPr>
+              <a:buFontTx/>
+              <a:buChar char="-"/>
+            </a:pPr>
+            <a:r>
+              <a:rPr lang="en-GB" baseline="0" dirty="0" smtClean="0"/>
+              <a:t>Supports combining deltas (like merge)</a:t>
+            </a:r>
+          </a:p>
+          <a:p>
+            <a:pPr>
+              <a:buFontTx/>
+              <a:buChar char="-"/>
+            </a:pPr>
+            <a:r>
+              <a:rPr lang="en-GB" baseline="0" dirty="0" smtClean="0"/>
+              <a:t>A bit like branches of a version control system</a:t>
+            </a:r>
+          </a:p>
+          <a:p>
+            <a:pPr>
+              <a:buFontTx/>
+              <a:buChar char="-"/>
+            </a:pPr>
+            <a:r>
+              <a:rPr lang="en-GB" baseline="0" dirty="0" smtClean="0"/>
+              <a:t>Structural checks from each “perspective”</a:t>
+            </a:r>
+          </a:p>
+          <a:p>
+            <a:pPr>
+              <a:buFontTx/>
+              <a:buChar char="-"/>
+            </a:pPr>
+            <a:r>
+              <a:rPr lang="en-GB" baseline="0" dirty="0" smtClean="0"/>
+              <a:t>Mention notion of a </a:t>
+            </a:r>
+            <a:r>
+              <a:rPr lang="en-GB" baseline="0" smtClean="0"/>
+              <a:t>“version”</a:t>
+            </a:r>
             <a:endParaRPr lang="en-GB" dirty="0"/>
           </a:p>
         </p:txBody>
@@ -1980,12 +2090,7 @@
             <p:ph type="sldImg"/>
           </p:nvPr>
         </p:nvSpPr>
-        <p:spPr>
-          <a:xfrm>
-            <a:off x="1714500" y="142875"/>
-            <a:ext cx="5715000" cy="4286250"/>
-          </a:xfrm>
-        </p:spPr>
+        <p:spPr/>
       </p:sp>
       <p:sp>
         <p:nvSpPr>
@@ -2004,10 +2109,6 @@
           </a:bodyPr>
           <a:lstStyle/>
           <a:p>
-            <a:r>
-              <a:rPr lang="en-GB" dirty="0" smtClean="0"/>
-              <a:t>i.e. Why not do it properly?</a:t>
-            </a:r>
             <a:endParaRPr lang="en-GB" dirty="0"/>
           </a:p>
         </p:txBody>
@@ -2097,41 +2198,9 @@
           <a:p>
             <a:r>
               <a:rPr lang="en-GB" dirty="0" smtClean="0"/>
-              <a:t>NB:</a:t>
-            </a:r>
-            <a:r>
-              <a:rPr lang="en-GB" baseline="0" dirty="0" smtClean="0"/>
-              <a:t> can easily be made to work with existing OO </a:t>
-            </a:r>
-            <a:r>
-              <a:rPr lang="en-GB" baseline="0" dirty="0" smtClean="0"/>
-              <a:t>environments</a:t>
-            </a:r>
-          </a:p>
-          <a:p>
-            <a:endParaRPr lang="en-GB" baseline="0" dirty="0" smtClean="0"/>
-          </a:p>
-          <a:p>
-            <a:r>
-              <a:rPr lang="en-GB" baseline="0" dirty="0" smtClean="0"/>
-              <a:t>Mention about “versioning” and how a version is a (deeply) immutable stratum stamped with something that guarantees this</a:t>
-            </a:r>
-          </a:p>
-          <a:p>
-            <a:r>
-              <a:rPr lang="en-GB" baseline="0" dirty="0" smtClean="0"/>
-              <a:t>	- discuss how it is perhaps odd we haven’t addressed so far given topic</a:t>
-            </a:r>
-          </a:p>
-          <a:p>
-            <a:r>
-              <a:rPr lang="en-GB" baseline="0" dirty="0" smtClean="0"/>
-              <a:t>	- version control can be treated orthogonally (</a:t>
-            </a:r>
-            <a:r>
-              <a:rPr lang="en-GB" baseline="0" smtClean="0"/>
-              <a:t>2 axes)</a:t>
-            </a:r>
+              <a:t>i.e. Why not do it properly?</a:t>
+            </a:r>
+            <a:endParaRPr lang="en-GB" dirty="0"/>
           </a:p>
         </p:txBody>
       </p:sp>
@@ -2220,39 +2289,37 @@
           <a:p>
             <a:r>
               <a:rPr lang="en-GB" dirty="0" smtClean="0"/>
-              <a:t>Mention </a:t>
+              <a:t>NB:</a:t>
             </a:r>
             <a:r>
               <a:rPr lang="en-GB" baseline="0" dirty="0" smtClean="0"/>
-              <a:t>sequence diagram protocols, translated into LTS</a:t>
-            </a:r>
-            <a:endParaRPr lang="en-GB" dirty="0" smtClean="0"/>
-          </a:p>
-          <a:p>
-            <a:endParaRPr lang="en-GB" dirty="0" smtClean="0"/>
-          </a:p>
-          <a:p>
-            <a:r>
-              <a:rPr lang="en-GB" dirty="0" smtClean="0"/>
-              <a:t>Mention retrofitting approach onto LTSA</a:t>
-            </a:r>
-          </a:p>
-          <a:p>
-            <a:endParaRPr lang="en-GB" dirty="0" smtClean="0"/>
-          </a:p>
-          <a:p>
-            <a:r>
-              <a:rPr lang="en-GB" dirty="0" smtClean="0"/>
-              <a:t>Finally, contention is that structure should be graphical and separated</a:t>
-            </a:r>
+              <a:t> can easily be made to work with existing OO environments</a:t>
+            </a:r>
+          </a:p>
+          <a:p>
+            <a:endParaRPr lang="en-GB" baseline="0" dirty="0" smtClean="0"/>
+          </a:p>
+          <a:p>
             <a:r>
               <a:rPr lang="en-GB" baseline="0" dirty="0" smtClean="0"/>
-              <a:t> from code</a:t>
-            </a:r>
-            <a:endParaRPr lang="en-GB" dirty="0" smtClean="0"/>
-          </a:p>
-          <a:p>
-            <a:endParaRPr lang="en-GB" dirty="0"/>
+              <a:t>Mention about “versioning” and how a version is a (deeply) immutable stratum stamped with something that guarantees this</a:t>
+            </a:r>
+          </a:p>
+          <a:p>
+            <a:r>
+              <a:rPr lang="en-GB" baseline="0" dirty="0" smtClean="0"/>
+              <a:t>	- discuss how it is perhaps odd we haven’t addressed so far given topic</a:t>
+            </a:r>
+          </a:p>
+          <a:p>
+            <a:r>
+              <a:rPr lang="en-GB" baseline="0" dirty="0" smtClean="0"/>
+              <a:t>	- version control can be treated orthogonally (</a:t>
+            </a:r>
+            <a:r>
+              <a:rPr lang="en-GB" baseline="0" smtClean="0"/>
+              <a:t>2 axes)</a:t>
+            </a:r>
           </a:p>
         </p:txBody>
       </p:sp>
@@ -2275,6 +2342,127 @@
               <a:rPr lang="en-GB" smtClean="0"/>
               <a:pPr/>
               <a:t>27</a:t>
+            </a:fld>
+            <a:endParaRPr lang="en-GB"/>
+          </a:p>
+        </p:txBody>
+      </p:sp>
+    </p:spTree>
+  </p:cSld>
+  <p:clrMapOvr>
+    <a:masterClrMapping/>
+  </p:clrMapOvr>
+</p:notes>
+</file>
+
+<file path=ppt/notesSlides/notesSlide24.xml><?xml version="1.0" encoding="utf-8"?>
+<p:notes xmlns:a="http://schemas.openxmlformats.org/drawingml/2006/main" xmlns:r="http://schemas.openxmlformats.org/officeDocument/2006/relationships" xmlns:p="http://schemas.openxmlformats.org/presentationml/2006/main">
+  <p:cSld>
+    <p:spTree>
+      <p:nvGrpSpPr>
+        <p:cNvPr id="1" name=""/>
+        <p:cNvGrpSpPr/>
+        <p:nvPr/>
+      </p:nvGrpSpPr>
+      <p:grpSpPr>
+        <a:xfrm>
+          <a:off x="0" y="0"/>
+          <a:ext cx="0" cy="0"/>
+          <a:chOff x="0" y="0"/>
+          <a:chExt cx="0" cy="0"/>
+        </a:xfrm>
+      </p:grpSpPr>
+      <p:sp>
+        <p:nvSpPr>
+          <p:cNvPr id="2" name="Slide Image Placeholder 1"/>
+          <p:cNvSpPr>
+            <a:spLocks noGrp="1" noRot="1" noChangeAspect="1"/>
+          </p:cNvSpPr>
+          <p:nvPr>
+            <p:ph type="sldImg"/>
+          </p:nvPr>
+        </p:nvSpPr>
+        <p:spPr>
+          <a:xfrm>
+            <a:off x="1714500" y="142875"/>
+            <a:ext cx="5715000" cy="4286250"/>
+          </a:xfrm>
+        </p:spPr>
+      </p:sp>
+      <p:sp>
+        <p:nvSpPr>
+          <p:cNvPr id="3" name="Notes Placeholder 2"/>
+          <p:cNvSpPr>
+            <a:spLocks noGrp="1"/>
+          </p:cNvSpPr>
+          <p:nvPr>
+            <p:ph type="body" idx="1"/>
+          </p:nvPr>
+        </p:nvSpPr>
+        <p:spPr/>
+        <p:txBody>
+          <a:bodyPr>
+            <a:normAutofit/>
+          </a:bodyPr>
+          <a:lstStyle/>
+          <a:p>
+            <a:r>
+              <a:rPr lang="en-GB" dirty="0" smtClean="0"/>
+              <a:t>Mention </a:t>
+            </a:r>
+            <a:r>
+              <a:rPr lang="en-GB" baseline="0" dirty="0" smtClean="0"/>
+              <a:t>sequence diagram protocols, translated into LTS</a:t>
+            </a:r>
+            <a:endParaRPr lang="en-GB" dirty="0" smtClean="0"/>
+          </a:p>
+          <a:p>
+            <a:endParaRPr lang="en-GB" dirty="0" smtClean="0"/>
+          </a:p>
+          <a:p>
+            <a:r>
+              <a:rPr lang="en-GB" dirty="0" smtClean="0"/>
+              <a:t>Mention retrofitting approach onto LTSA</a:t>
+            </a:r>
+          </a:p>
+          <a:p>
+            <a:endParaRPr lang="en-GB" dirty="0" smtClean="0"/>
+          </a:p>
+          <a:p>
+            <a:r>
+              <a:rPr lang="en-GB" dirty="0" smtClean="0"/>
+              <a:t>Finally, contention is that structure should be graphical and separated</a:t>
+            </a:r>
+            <a:r>
+              <a:rPr lang="en-GB" baseline="0" dirty="0" smtClean="0"/>
+              <a:t> from code</a:t>
+            </a:r>
+            <a:endParaRPr lang="en-GB" dirty="0" smtClean="0"/>
+          </a:p>
+          <a:p>
+            <a:endParaRPr lang="en-GB" dirty="0"/>
+          </a:p>
+        </p:txBody>
+      </p:sp>
+      <p:sp>
+        <p:nvSpPr>
+          <p:cNvPr id="4" name="Slide Number Placeholder 3"/>
+          <p:cNvSpPr>
+            <a:spLocks noGrp="1"/>
+          </p:cNvSpPr>
+          <p:nvPr>
+            <p:ph type="sldNum" sz="quarter" idx="10"/>
+          </p:nvPr>
+        </p:nvSpPr>
+        <p:spPr/>
+        <p:txBody>
+          <a:bodyPr/>
+          <a:lstStyle/>
+          <a:p>
+            <a:fld id="{091399BD-5632-4612-98AC-0049671A5341}" type="slidenum">
+              <a:rPr lang="en-GB" smtClean="0"/>
+              <a:pPr/>
+              <a:t>28</a:t>
             </a:fld>
             <a:endParaRPr lang="en-GB"/>
           </a:p>
@@ -3239,6 +3427,13 @@
   <p:clrMapOvr>
     <a:overrideClrMapping bg1="dk1" tx1="lt1" bg2="dk2" tx2="lt2" accent1="accent1" accent2="accent2" accent3="accent3" accent4="accent4" accent5="accent5" accent6="accent6" hlink="hlink" folHlink="folHlink"/>
   </p:clrMapOvr>
+  <p:timing>
+    <p:tnLst>
+      <p:par>
+        <p:cTn id="1" dur="indefinite" restart="never" nodeType="tmRoot"/>
+      </p:par>
+    </p:tnLst>
+  </p:timing>
 </p:sldLayout>
 </file>
 
@@ -3414,6 +3609,13 @@
   <p:clrMapOvr>
     <a:masterClrMapping/>
   </p:clrMapOvr>
+  <p:timing>
+    <p:tnLst>
+      <p:par>
+        <p:cTn id="1" dur="indefinite" restart="never" nodeType="tmRoot"/>
+      </p:par>
+    </p:tnLst>
+  </p:timing>
 </p:sldLayout>
 </file>
 
@@ -3599,6 +3801,13 @@
   <p:clrMapOvr>
     <a:masterClrMapping/>
   </p:clrMapOvr>
+  <p:timing>
+    <p:tnLst>
+      <p:par>
+        <p:cTn id="1" dur="indefinite" restart="never" nodeType="tmRoot"/>
+      </p:par>
+    </p:tnLst>
+  </p:timing>
 </p:sldLayout>
 </file>
 
@@ -3723,6 +3932,13 @@
   <p:clrMapOvr>
     <a:masterClrMapping/>
   </p:clrMapOvr>
+  <p:timing>
+    <p:tnLst>
+      <p:par>
+        <p:cTn id="1" dur="indefinite" restart="never" nodeType="tmRoot"/>
+      </p:par>
+    </p:tnLst>
+  </p:timing>
 </p:sldLayout>
 </file>
 
@@ -3996,6 +4212,13 @@
   <p:clrMapOvr>
     <a:overrideClrMapping bg1="dk1" tx1="lt1" bg2="dk2" tx2="lt2" accent1="accent1" accent2="accent2" accent3="accent3" accent4="accent4" accent5="accent5" accent6="accent6" hlink="hlink" folHlink="folHlink"/>
   </p:clrMapOvr>
+  <p:timing>
+    <p:tnLst>
+      <p:par>
+        <p:cTn id="1" dur="indefinite" restart="never" nodeType="tmRoot"/>
+      </p:par>
+    </p:tnLst>
+  </p:timing>
 </p:sldLayout>
 </file>
 
@@ -4270,6 +4493,13 @@
   <p:clrMapOvr>
     <a:masterClrMapping/>
   </p:clrMapOvr>
+  <p:timing>
+    <p:tnLst>
+      <p:par>
+        <p:cTn id="1" dur="indefinite" restart="never" nodeType="tmRoot"/>
+      </p:par>
+    </p:tnLst>
+  </p:timing>
 </p:sldLayout>
 </file>
 
@@ -4658,6 +4888,13 @@
   <p:clrMapOvr>
     <a:masterClrMapping/>
   </p:clrMapOvr>
+  <p:timing>
+    <p:tnLst>
+      <p:par>
+        <p:cTn id="1" dur="indefinite" restart="never" nodeType="tmRoot"/>
+      </p:par>
+    </p:tnLst>
+  </p:timing>
 </p:sldLayout>
 </file>
 
@@ -4818,6 +5055,13 @@
   <p:clrMapOvr>
     <a:masterClrMapping/>
   </p:clrMapOvr>
+  <p:timing>
+    <p:tnLst>
+      <p:par>
+        <p:cTn id="1" dur="indefinite" restart="never" nodeType="tmRoot"/>
+      </p:par>
+    </p:tnLst>
+  </p:timing>
 </p:sldLayout>
 </file>
 
@@ -4918,6 +5162,13 @@
   <p:clrMapOvr>
     <a:masterClrMapping/>
   </p:clrMapOvr>
+  <p:timing>
+    <p:tnLst>
+      <p:par>
+        <p:cTn id="1" dur="indefinite" restart="never" nodeType="tmRoot"/>
+      </p:par>
+    </p:tnLst>
+  </p:timing>
 </p:sldLayout>
 </file>
 
@@ -5189,6 +5440,13 @@
   <p:clrMapOvr>
     <a:masterClrMapping/>
   </p:clrMapOvr>
+  <p:timing>
+    <p:tnLst>
+      <p:par>
+        <p:cTn id="1" dur="indefinite" restart="never" nodeType="tmRoot"/>
+      </p:par>
+    </p:tnLst>
+  </p:timing>
 </p:sldLayout>
 </file>
 
@@ -5794,6 +6052,13 @@
   <p:clrMapOvr>
     <a:masterClrMapping/>
   </p:clrMapOvr>
+  <p:timing>
+    <p:tnLst>
+      <p:par>
+        <p:cTn id="1" dur="indefinite" restart="never" nodeType="tmRoot"/>
+      </p:par>
+    </p:tnLst>
+  </p:timing>
 </p:sldLayout>
 </file>
 
@@ -6645,8 +6910,8 @@
         </p:nvSpPr>
         <p:spPr>
           <a:xfrm>
-            <a:off x="285720" y="5072074"/>
-            <a:ext cx="2786082" cy="923330"/>
+            <a:off x="214282" y="5000636"/>
+            <a:ext cx="2786082" cy="1200329"/>
           </a:xfrm>
           <a:prstGeom prst="rect">
             <a:avLst/>
@@ -6660,12 +6925,20 @@
           <a:lstStyle/>
           <a:p>
             <a:r>
+              <a:rPr lang="en-GB" smtClean="0">
+                <a:solidFill>
+                  <a:schemeClr val="bg1"/>
+                </a:solidFill>
+              </a:rPr>
+              <a:t>Andrew </a:t>
+            </a:r>
+            <a:r>
               <a:rPr lang="en-GB" dirty="0" smtClean="0">
                 <a:solidFill>
                   <a:schemeClr val="bg1"/>
                 </a:solidFill>
               </a:rPr>
-              <a:t>Andrew McVeigh</a:t>
+              <a:t>McVeigh</a:t>
             </a:r>
           </a:p>
           <a:p>
@@ -6687,7 +6960,17 @@
               </a:rPr>
               <a:t>Jeff Kramer</a:t>
             </a:r>
-            <a:endParaRPr lang="en-GB" dirty="0">
+          </a:p>
+          <a:p>
+            <a:r>
+              <a:rPr lang="en-GB" b="1" dirty="0" smtClean="0">
+                <a:solidFill>
+                  <a:schemeClr val="bg1"/>
+                </a:solidFill>
+              </a:rPr>
+              <a:t>Imperial College, London</a:t>
+            </a:r>
+            <a:endParaRPr lang="en-GB" b="1" dirty="0">
               <a:solidFill>
                 <a:schemeClr val="bg1"/>
               </a:solidFill>
@@ -13661,8 +13944,13 @@
             <a:p>
               <a:r>
                 <a:rPr lang="en-GB" sz="2400" dirty="0" smtClean="0"/>
-                <a:t>Like an advanced form of structural inheritance... [ROOM]</a:t>
+                <a:t>Like an advanced form of structural inheritance... </a:t>
               </a:r>
+              <a:r>
+                <a:rPr lang="en-GB" sz="2400" dirty="0" smtClean="0"/>
+                <a:t>[SGW94]</a:t>
+              </a:r>
+              <a:endParaRPr lang="en-GB" sz="2400" dirty="0" smtClean="0"/>
             </a:p>
           </p:txBody>
         </p:sp>
@@ -13794,7 +14082,15 @@
           <a:p>
             <a:r>
               <a:rPr lang="en-GB" dirty="0" smtClean="0"/>
-              <a:t>Concept 2: Evolution =</a:t>
+              <a:t>Concept </a:t>
+            </a:r>
+            <a:r>
+              <a:rPr lang="en-GB" dirty="0" smtClean="0"/>
+              <a:t>3: </a:t>
+            </a:r>
+            <a:r>
+              <a:rPr lang="en-GB" dirty="0" smtClean="0"/>
+              <a:t>Evolution =</a:t>
             </a:r>
             <a:br>
               <a:rPr lang="en-GB" dirty="0" smtClean="0"/>
@@ -13949,6 +14245,254 @@
           </a:p>
         </p:txBody>
       </p:sp>
+      <p:sp>
+        <p:nvSpPr>
+          <p:cNvPr id="9" name="TextBox 8"/>
+          <p:cNvSpPr txBox="1"/>
+          <p:nvPr/>
+        </p:nvSpPr>
+        <p:spPr>
+          <a:xfrm>
+            <a:off x="3357586" y="2643158"/>
+            <a:ext cx="5786446" cy="4214842"/>
+          </a:xfrm>
+          <a:prstGeom prst="rect">
+            <a:avLst/>
+          </a:prstGeom>
+          <a:solidFill>
+            <a:srgbClr val="FFFF66"/>
+          </a:solidFill>
+        </p:spPr>
+        <p:txBody>
+          <a:bodyPr wrap="square" rtlCol="0">
+            <a:spAutoFit/>
+          </a:bodyPr>
+          <a:lstStyle/>
+          <a:p>
+            <a:r>
+              <a:rPr lang="en-GB" sz="2200" dirty="0" smtClean="0"/>
+              <a:t> </a:t>
+            </a:r>
+            <a:r>
+              <a:rPr lang="en-GB" sz="2200" b="1" dirty="0" smtClean="0"/>
+              <a:t>component</a:t>
+            </a:r>
+            <a:endParaRPr lang="en-GB" sz="2200" dirty="0" smtClean="0"/>
+          </a:p>
+          <a:p>
+            <a:r>
+              <a:rPr lang="en-GB" sz="2200" dirty="0" smtClean="0"/>
+              <a:t>         resembles </a:t>
+            </a:r>
+            <a:r>
+              <a:rPr lang="en-GB" sz="2200" dirty="0" smtClean="0"/>
+              <a:t>Desk </a:t>
+            </a:r>
+            <a:r>
+              <a:rPr lang="en-GB" sz="2200" b="1" i="1" dirty="0" smtClean="0"/>
+              <a:t>replaces Desk</a:t>
+            </a:r>
+            <a:endParaRPr lang="en-GB" sz="2200" b="1" i="1" dirty="0" smtClean="0"/>
+          </a:p>
+          <a:p>
+            <a:r>
+              <a:rPr lang="en-GB" sz="2200" dirty="0" smtClean="0"/>
+              <a:t>    {</a:t>
+            </a:r>
+          </a:p>
+          <a:p>
+            <a:r>
+              <a:rPr lang="en-GB" sz="2200" dirty="0" smtClean="0"/>
+              <a:t>        </a:t>
+            </a:r>
+            <a:r>
+              <a:rPr lang="en-GB" sz="2200" b="1" dirty="0" smtClean="0"/>
+              <a:t>ports</a:t>
+            </a:r>
+            <a:r>
+              <a:rPr lang="en-GB" sz="2200" dirty="0" smtClean="0"/>
+              <a:t>:</a:t>
+            </a:r>
+          </a:p>
+          <a:p>
+            <a:r>
+              <a:rPr lang="en-GB" sz="2200" dirty="0" smtClean="0"/>
+              <a:t>            </a:t>
+            </a:r>
+            <a:r>
+              <a:rPr lang="en-GB" sz="2200" dirty="0" err="1" smtClean="0"/>
+              <a:t>cueOut</a:t>
+            </a:r>
+            <a:r>
+              <a:rPr lang="en-GB" sz="2200" dirty="0" smtClean="0"/>
+              <a:t>;</a:t>
+            </a:r>
+          </a:p>
+          <a:p>
+            <a:r>
+              <a:rPr lang="en-GB" sz="2200" dirty="0" smtClean="0"/>
+              <a:t>        </a:t>
+            </a:r>
+            <a:r>
+              <a:rPr lang="en-GB" sz="2200" b="1" dirty="0" smtClean="0"/>
+              <a:t>replace-parts</a:t>
+            </a:r>
+            <a:r>
+              <a:rPr lang="en-GB" sz="2200" dirty="0" smtClean="0"/>
+              <a:t>:</a:t>
+            </a:r>
+          </a:p>
+          <a:p>
+            <a:r>
+              <a:rPr lang="en-GB" sz="2200" dirty="0" smtClean="0"/>
+              <a:t>            m </a:t>
+            </a:r>
+            <a:r>
+              <a:rPr lang="en-GB" sz="2200" b="1" dirty="0" smtClean="0"/>
+              <a:t>becomes</a:t>
+            </a:r>
+            <a:r>
+              <a:rPr lang="en-GB" sz="2200" dirty="0" smtClean="0"/>
+              <a:t> cm: </a:t>
+            </a:r>
+            <a:r>
+              <a:rPr lang="en-GB" sz="2200" dirty="0" err="1" smtClean="0"/>
+              <a:t>CuingMixer</a:t>
+            </a:r>
+            <a:r>
+              <a:rPr lang="en-GB" sz="2200" dirty="0" smtClean="0"/>
+              <a:t>;</a:t>
+            </a:r>
+          </a:p>
+          <a:p>
+            <a:r>
+              <a:rPr lang="en-GB" sz="2200" dirty="0" smtClean="0"/>
+              <a:t>            m2 </a:t>
+            </a:r>
+            <a:r>
+              <a:rPr lang="en-GB" sz="2200" b="1" dirty="0" smtClean="0"/>
+              <a:t>becomes</a:t>
+            </a:r>
+            <a:r>
+              <a:rPr lang="en-GB" sz="2200" dirty="0" smtClean="0"/>
+              <a:t> t: </a:t>
+            </a:r>
+            <a:r>
+              <a:rPr lang="en-GB" sz="2200" dirty="0" err="1" smtClean="0"/>
+              <a:t>TurntableDevice</a:t>
+            </a:r>
+            <a:r>
+              <a:rPr lang="en-GB" sz="2200" dirty="0" smtClean="0"/>
+              <a:t>;</a:t>
+            </a:r>
+          </a:p>
+          <a:p>
+            <a:r>
+              <a:rPr lang="en-GB" sz="2200" dirty="0" smtClean="0"/>
+              <a:t>        </a:t>
+            </a:r>
+            <a:r>
+              <a:rPr lang="en-GB" sz="2200" b="1" dirty="0" smtClean="0"/>
+              <a:t>connectors</a:t>
+            </a:r>
+            <a:r>
+              <a:rPr lang="en-GB" sz="2200" dirty="0" smtClean="0"/>
+              <a:t>:</a:t>
+            </a:r>
+          </a:p>
+          <a:p>
+            <a:r>
+              <a:rPr lang="en-GB" sz="2200" dirty="0" smtClean="0"/>
+              <a:t>            </a:t>
+            </a:r>
+            <a:r>
+              <a:rPr lang="en-GB" sz="2200" dirty="0" err="1" smtClean="0"/>
+              <a:t>cconn</a:t>
+            </a:r>
+            <a:r>
+              <a:rPr lang="en-GB" sz="2200" dirty="0" smtClean="0"/>
+              <a:t> </a:t>
+            </a:r>
+            <a:r>
+              <a:rPr lang="en-GB" sz="2200" b="1" dirty="0" smtClean="0"/>
+              <a:t>joins</a:t>
+            </a:r>
+            <a:r>
+              <a:rPr lang="en-GB" sz="2200" dirty="0" smtClean="0"/>
+              <a:t> </a:t>
+            </a:r>
+            <a:r>
+              <a:rPr lang="en-GB" sz="2200" dirty="0" err="1" smtClean="0"/>
+              <a:t>cueOutput@m</a:t>
+            </a:r>
+            <a:r>
+              <a:rPr lang="en-GB" sz="2200" dirty="0" smtClean="0"/>
+              <a:t> </a:t>
+            </a:r>
+            <a:r>
+              <a:rPr lang="en-GB" sz="2200" b="1" dirty="0" smtClean="0"/>
+              <a:t>to</a:t>
+            </a:r>
+            <a:r>
+              <a:rPr lang="en-GB" sz="2200" dirty="0" smtClean="0"/>
+              <a:t> </a:t>
+            </a:r>
+            <a:r>
+              <a:rPr lang="en-GB" sz="2200" dirty="0" err="1" smtClean="0"/>
+              <a:t>cueOut</a:t>
+            </a:r>
+            <a:r>
+              <a:rPr lang="en-GB" sz="2200" dirty="0" smtClean="0"/>
+              <a:t>;</a:t>
+            </a:r>
+          </a:p>
+          <a:p>
+            <a:r>
+              <a:rPr lang="en-GB" sz="2200" dirty="0" smtClean="0"/>
+              <a:t>            </a:t>
+            </a:r>
+            <a:r>
+              <a:rPr lang="en-GB" sz="2200" dirty="0" err="1" smtClean="0"/>
+              <a:t>iconn</a:t>
+            </a:r>
+            <a:r>
+              <a:rPr lang="en-GB" sz="2200" dirty="0" smtClean="0"/>
+              <a:t> </a:t>
+            </a:r>
+            <a:r>
+              <a:rPr lang="en-GB" sz="2200" b="1" dirty="0" smtClean="0"/>
+              <a:t>joins</a:t>
+            </a:r>
+            <a:r>
+              <a:rPr lang="en-GB" sz="2200" dirty="0" smtClean="0"/>
+              <a:t> cue@m2 </a:t>
+            </a:r>
+            <a:r>
+              <a:rPr lang="en-GB" sz="2200" b="1" dirty="0" smtClean="0"/>
+              <a:t>to</a:t>
+            </a:r>
+            <a:r>
+              <a:rPr lang="en-GB" sz="2200" dirty="0" smtClean="0"/>
+              <a:t> </a:t>
+            </a:r>
+            <a:r>
+              <a:rPr lang="en-GB" sz="2200" dirty="0" err="1" smtClean="0"/>
+              <a:t>cueInput@m</a:t>
+            </a:r>
+            <a:r>
+              <a:rPr lang="en-GB" sz="2200" dirty="0" smtClean="0"/>
+              <a:t>;</a:t>
+            </a:r>
+          </a:p>
+          <a:p>
+            <a:r>
+              <a:rPr lang="en-GB" sz="2200" dirty="0" smtClean="0"/>
+              <a:t>    }</a:t>
+            </a:r>
+            <a:endParaRPr lang="en-GB" sz="2200" dirty="0"/>
+          </a:p>
+        </p:txBody>
+      </p:sp>
     </p:spTree>
   </p:cSld>
   <p:clrMapOvr>
@@ -13975,7 +14519,7 @@
                             </p:stCondLst>
                             <p:childTnLst>
                               <p:par>
-                                <p:cTn id="5" presetID="2" presetClass="entr" presetSubtype="4" fill="hold" nodeType="clickEffect">
+                                <p:cTn id="5" presetID="10" presetClass="entr" presetSubtype="0" fill="hold" nodeType="clickEffect">
                                   <p:stCondLst>
                                     <p:cond delay="0"/>
                                   </p:stCondLst>
@@ -13998,52 +14542,587 @@
                                         <p:strVal val="visible"/>
                                       </p:to>
                                     </p:set>
-                                    <p:anim calcmode="lin" valueType="num">
-                                      <p:cBhvr additive="base">
-                                        <p:cTn id="7" dur="500" fill="hold"/>
+                                    <p:animEffect transition="in" filter="fade">
+                                      <p:cBhvr>
+                                        <p:cTn id="7" dur="2000"/>
                                         <p:tgtEl>
                                           <p:spTgt spid="6"/>
                                         </p:tgtEl>
+                                      </p:cBhvr>
+                                    </p:animEffect>
+                                  </p:childTnLst>
+                                </p:cTn>
+                              </p:par>
+                            </p:childTnLst>
+                          </p:cTn>
+                        </p:par>
+                      </p:childTnLst>
+                    </p:cTn>
+                  </p:par>
+                  <p:par>
+                    <p:cTn id="8" fill="hold">
+                      <p:stCondLst>
+                        <p:cond delay="indefinite"/>
+                      </p:stCondLst>
+                      <p:childTnLst>
+                        <p:par>
+                          <p:cTn id="9" fill="hold">
+                            <p:stCondLst>
+                              <p:cond delay="0"/>
+                            </p:stCondLst>
+                            <p:childTnLst>
+                              <p:par>
+                                <p:cTn id="10" presetID="10" presetClass="entr" presetSubtype="0" fill="hold" grpId="0" nodeType="clickEffect">
+                                  <p:stCondLst>
+                                    <p:cond delay="0"/>
+                                  </p:stCondLst>
+                                  <p:childTnLst>
+                                    <p:set>
+                                      <p:cBhvr>
+                                        <p:cTn id="11" dur="1" fill="hold">
+                                          <p:stCondLst>
+                                            <p:cond delay="0"/>
+                                          </p:stCondLst>
+                                        </p:cTn>
+                                        <p:tgtEl>
+                                          <p:spTgt spid="9">
+                                            <p:bg/>
+                                          </p:spTgt>
+                                        </p:tgtEl>
                                         <p:attrNameLst>
-                                          <p:attrName>ppt_x</p:attrName>
+                                          <p:attrName>style.visibility</p:attrName>
                                         </p:attrNameLst>
                                       </p:cBhvr>
-                                      <p:tavLst>
-                                        <p:tav tm="0">
-                                          <p:val>
-                                            <p:strVal val="#ppt_x"/>
-                                          </p:val>
-                                        </p:tav>
-                                        <p:tav tm="100000">
-                                          <p:val>
-                                            <p:strVal val="#ppt_x"/>
-                                          </p:val>
-                                        </p:tav>
-                                      </p:tavLst>
-                                    </p:anim>
-                                    <p:anim calcmode="lin" valueType="num">
-                                      <p:cBhvr additive="base">
-                                        <p:cTn id="8" dur="500" fill="hold"/>
-                                        <p:tgtEl>
-                                          <p:spTgt spid="6"/>
+                                      <p:to>
+                                        <p:strVal val="visible"/>
+                                      </p:to>
+                                    </p:set>
+                                    <p:animEffect transition="in" filter="fade">
+                                      <p:cBhvr>
+                                        <p:cTn id="12" dur="2000"/>
+                                        <p:tgtEl>
+                                          <p:spTgt spid="9">
+                                            <p:bg/>
+                                          </p:spTgt>
+                                        </p:tgtEl>
+                                      </p:cBhvr>
+                                    </p:animEffect>
+                                  </p:childTnLst>
+                                </p:cTn>
+                              </p:par>
+                              <p:par>
+                                <p:cTn id="13" presetID="10" presetClass="entr" presetSubtype="0" fill="hold" grpId="0" nodeType="withEffect">
+                                  <p:stCondLst>
+                                    <p:cond delay="0"/>
+                                  </p:stCondLst>
+                                  <p:childTnLst>
+                                    <p:set>
+                                      <p:cBhvr>
+                                        <p:cTn id="14" dur="1" fill="hold">
+                                          <p:stCondLst>
+                                            <p:cond delay="0"/>
+                                          </p:stCondLst>
+                                        </p:cTn>
+                                        <p:tgtEl>
+                                          <p:spTgt spid="9">
+                                            <p:txEl>
+                                              <p:pRg st="0" end="0"/>
+                                            </p:txEl>
+                                          </p:spTgt>
                                         </p:tgtEl>
                                         <p:attrNameLst>
-                                          <p:attrName>ppt_y</p:attrName>
+                                          <p:attrName>style.visibility</p:attrName>
                                         </p:attrNameLst>
                                       </p:cBhvr>
-                                      <p:tavLst>
-                                        <p:tav tm="0">
-                                          <p:val>
-                                            <p:strVal val="1+#ppt_h/2"/>
-                                          </p:val>
-                                        </p:tav>
-                                        <p:tav tm="100000">
-                                          <p:val>
-                                            <p:strVal val="#ppt_y"/>
-                                          </p:val>
-                                        </p:tav>
-                                      </p:tavLst>
-                                    </p:anim>
+                                      <p:to>
+                                        <p:strVal val="visible"/>
+                                      </p:to>
+                                    </p:set>
+                                    <p:animEffect transition="in" filter="fade">
+                                      <p:cBhvr>
+                                        <p:cTn id="15" dur="2000"/>
+                                        <p:tgtEl>
+                                          <p:spTgt spid="9">
+                                            <p:txEl>
+                                              <p:pRg st="0" end="0"/>
+                                            </p:txEl>
+                                          </p:spTgt>
+                                        </p:tgtEl>
+                                      </p:cBhvr>
+                                    </p:animEffect>
+                                  </p:childTnLst>
+                                </p:cTn>
+                              </p:par>
+                              <p:par>
+                                <p:cTn id="16" presetID="10" presetClass="entr" presetSubtype="0" fill="hold" grpId="0" nodeType="withEffect">
+                                  <p:stCondLst>
+                                    <p:cond delay="0"/>
+                                  </p:stCondLst>
+                                  <p:childTnLst>
+                                    <p:set>
+                                      <p:cBhvr>
+                                        <p:cTn id="17" dur="1" fill="hold">
+                                          <p:stCondLst>
+                                            <p:cond delay="0"/>
+                                          </p:stCondLst>
+                                        </p:cTn>
+                                        <p:tgtEl>
+                                          <p:spTgt spid="9">
+                                            <p:txEl>
+                                              <p:pRg st="1" end="1"/>
+                                            </p:txEl>
+                                          </p:spTgt>
+                                        </p:tgtEl>
+                                        <p:attrNameLst>
+                                          <p:attrName>style.visibility</p:attrName>
+                                        </p:attrNameLst>
+                                      </p:cBhvr>
+                                      <p:to>
+                                        <p:strVal val="visible"/>
+                                      </p:to>
+                                    </p:set>
+                                    <p:animEffect transition="in" filter="fade">
+                                      <p:cBhvr>
+                                        <p:cTn id="18" dur="2000"/>
+                                        <p:tgtEl>
+                                          <p:spTgt spid="9">
+                                            <p:txEl>
+                                              <p:pRg st="1" end="1"/>
+                                            </p:txEl>
+                                          </p:spTgt>
+                                        </p:tgtEl>
+                                      </p:cBhvr>
+                                    </p:animEffect>
+                                  </p:childTnLst>
+                                </p:cTn>
+                              </p:par>
+                              <p:par>
+                                <p:cTn id="19" presetID="10" presetClass="entr" presetSubtype="0" fill="hold" grpId="0" nodeType="withEffect">
+                                  <p:stCondLst>
+                                    <p:cond delay="0"/>
+                                  </p:stCondLst>
+                                  <p:childTnLst>
+                                    <p:set>
+                                      <p:cBhvr>
+                                        <p:cTn id="20" dur="1" fill="hold">
+                                          <p:stCondLst>
+                                            <p:cond delay="0"/>
+                                          </p:stCondLst>
+                                        </p:cTn>
+                                        <p:tgtEl>
+                                          <p:spTgt spid="9">
+                                            <p:txEl>
+                                              <p:pRg st="2" end="2"/>
+                                            </p:txEl>
+                                          </p:spTgt>
+                                        </p:tgtEl>
+                                        <p:attrNameLst>
+                                          <p:attrName>style.visibility</p:attrName>
+                                        </p:attrNameLst>
+                                      </p:cBhvr>
+                                      <p:to>
+                                        <p:strVal val="visible"/>
+                                      </p:to>
+                                    </p:set>
+                                    <p:animEffect transition="in" filter="fade">
+                                      <p:cBhvr>
+                                        <p:cTn id="21" dur="2000"/>
+                                        <p:tgtEl>
+                                          <p:spTgt spid="9">
+                                            <p:txEl>
+                                              <p:pRg st="2" end="2"/>
+                                            </p:txEl>
+                                          </p:spTgt>
+                                        </p:tgtEl>
+                                      </p:cBhvr>
+                                    </p:animEffect>
+                                  </p:childTnLst>
+                                </p:cTn>
+                              </p:par>
+                              <p:par>
+                                <p:cTn id="22" presetID="10" presetClass="entr" presetSubtype="0" fill="hold" grpId="0" nodeType="withEffect">
+                                  <p:stCondLst>
+                                    <p:cond delay="0"/>
+                                  </p:stCondLst>
+                                  <p:childTnLst>
+                                    <p:set>
+                                      <p:cBhvr>
+                                        <p:cTn id="23" dur="1" fill="hold">
+                                          <p:stCondLst>
+                                            <p:cond delay="0"/>
+                                          </p:stCondLst>
+                                        </p:cTn>
+                                        <p:tgtEl>
+                                          <p:spTgt spid="9">
+                                            <p:txEl>
+                                              <p:pRg st="3" end="3"/>
+                                            </p:txEl>
+                                          </p:spTgt>
+                                        </p:tgtEl>
+                                        <p:attrNameLst>
+                                          <p:attrName>style.visibility</p:attrName>
+                                        </p:attrNameLst>
+                                      </p:cBhvr>
+                                      <p:to>
+                                        <p:strVal val="visible"/>
+                                      </p:to>
+                                    </p:set>
+                                    <p:animEffect transition="in" filter="fade">
+                                      <p:cBhvr>
+                                        <p:cTn id="24" dur="2000"/>
+                                        <p:tgtEl>
+                                          <p:spTgt spid="9">
+                                            <p:txEl>
+                                              <p:pRg st="3" end="3"/>
+                                            </p:txEl>
+                                          </p:spTgt>
+                                        </p:tgtEl>
+                                      </p:cBhvr>
+                                    </p:animEffect>
+                                  </p:childTnLst>
+                                </p:cTn>
+                              </p:par>
+                              <p:par>
+                                <p:cTn id="25" presetID="10" presetClass="entr" presetSubtype="0" fill="hold" grpId="0" nodeType="withEffect">
+                                  <p:stCondLst>
+                                    <p:cond delay="0"/>
+                                  </p:stCondLst>
+                                  <p:childTnLst>
+                                    <p:set>
+                                      <p:cBhvr>
+                                        <p:cTn id="26" dur="1" fill="hold">
+                                          <p:stCondLst>
+                                            <p:cond delay="0"/>
+                                          </p:stCondLst>
+                                        </p:cTn>
+                                        <p:tgtEl>
+                                          <p:spTgt spid="9">
+                                            <p:txEl>
+                                              <p:pRg st="4" end="4"/>
+                                            </p:txEl>
+                                          </p:spTgt>
+                                        </p:tgtEl>
+                                        <p:attrNameLst>
+                                          <p:attrName>style.visibility</p:attrName>
+                                        </p:attrNameLst>
+                                      </p:cBhvr>
+                                      <p:to>
+                                        <p:strVal val="visible"/>
+                                      </p:to>
+                                    </p:set>
+                                    <p:animEffect transition="in" filter="fade">
+                                      <p:cBhvr>
+                                        <p:cTn id="27" dur="2000"/>
+                                        <p:tgtEl>
+                                          <p:spTgt spid="9">
+                                            <p:txEl>
+                                              <p:pRg st="4" end="4"/>
+                                            </p:txEl>
+                                          </p:spTgt>
+                                        </p:tgtEl>
+                                      </p:cBhvr>
+                                    </p:animEffect>
+                                  </p:childTnLst>
+                                </p:cTn>
+                              </p:par>
+                              <p:par>
+                                <p:cTn id="28" presetID="10" presetClass="entr" presetSubtype="0" fill="hold" grpId="0" nodeType="withEffect">
+                                  <p:stCondLst>
+                                    <p:cond delay="0"/>
+                                  </p:stCondLst>
+                                  <p:childTnLst>
+                                    <p:set>
+                                      <p:cBhvr>
+                                        <p:cTn id="29" dur="1" fill="hold">
+                                          <p:stCondLst>
+                                            <p:cond delay="0"/>
+                                          </p:stCondLst>
+                                        </p:cTn>
+                                        <p:tgtEl>
+                                          <p:spTgt spid="9">
+                                            <p:txEl>
+                                              <p:pRg st="5" end="5"/>
+                                            </p:txEl>
+                                          </p:spTgt>
+                                        </p:tgtEl>
+                                        <p:attrNameLst>
+                                          <p:attrName>style.visibility</p:attrName>
+                                        </p:attrNameLst>
+                                      </p:cBhvr>
+                                      <p:to>
+                                        <p:strVal val="visible"/>
+                                      </p:to>
+                                    </p:set>
+                                    <p:animEffect transition="in" filter="fade">
+                                      <p:cBhvr>
+                                        <p:cTn id="30" dur="2000"/>
+                                        <p:tgtEl>
+                                          <p:spTgt spid="9">
+                                            <p:txEl>
+                                              <p:pRg st="5" end="5"/>
+                                            </p:txEl>
+                                          </p:spTgt>
+                                        </p:tgtEl>
+                                      </p:cBhvr>
+                                    </p:animEffect>
+                                  </p:childTnLst>
+                                </p:cTn>
+                              </p:par>
+                              <p:par>
+                                <p:cTn id="31" presetID="10" presetClass="entr" presetSubtype="0" fill="hold" grpId="0" nodeType="withEffect">
+                                  <p:stCondLst>
+                                    <p:cond delay="0"/>
+                                  </p:stCondLst>
+                                  <p:childTnLst>
+                                    <p:set>
+                                      <p:cBhvr>
+                                        <p:cTn id="32" dur="1" fill="hold">
+                                          <p:stCondLst>
+                                            <p:cond delay="0"/>
+                                          </p:stCondLst>
+                                        </p:cTn>
+                                        <p:tgtEl>
+                                          <p:spTgt spid="9">
+                                            <p:txEl>
+                                              <p:pRg st="6" end="6"/>
+                                            </p:txEl>
+                                          </p:spTgt>
+                                        </p:tgtEl>
+                                        <p:attrNameLst>
+                                          <p:attrName>style.visibility</p:attrName>
+                                        </p:attrNameLst>
+                                      </p:cBhvr>
+                                      <p:to>
+                                        <p:strVal val="visible"/>
+                                      </p:to>
+                                    </p:set>
+                                    <p:animEffect transition="in" filter="fade">
+                                      <p:cBhvr>
+                                        <p:cTn id="33" dur="2000"/>
+                                        <p:tgtEl>
+                                          <p:spTgt spid="9">
+                                            <p:txEl>
+                                              <p:pRg st="6" end="6"/>
+                                            </p:txEl>
+                                          </p:spTgt>
+                                        </p:tgtEl>
+                                      </p:cBhvr>
+                                    </p:animEffect>
+                                  </p:childTnLst>
+                                </p:cTn>
+                              </p:par>
+                              <p:par>
+                                <p:cTn id="34" presetID="10" presetClass="entr" presetSubtype="0" fill="hold" grpId="0" nodeType="withEffect">
+                                  <p:stCondLst>
+                                    <p:cond delay="0"/>
+                                  </p:stCondLst>
+                                  <p:childTnLst>
+                                    <p:set>
+                                      <p:cBhvr>
+                                        <p:cTn id="35" dur="1" fill="hold">
+                                          <p:stCondLst>
+                                            <p:cond delay="0"/>
+                                          </p:stCondLst>
+                                        </p:cTn>
+                                        <p:tgtEl>
+                                          <p:spTgt spid="9">
+                                            <p:txEl>
+                                              <p:pRg st="7" end="7"/>
+                                            </p:txEl>
+                                          </p:spTgt>
+                                        </p:tgtEl>
+                                        <p:attrNameLst>
+                                          <p:attrName>style.visibility</p:attrName>
+                                        </p:attrNameLst>
+                                      </p:cBhvr>
+                                      <p:to>
+                                        <p:strVal val="visible"/>
+                                      </p:to>
+                                    </p:set>
+                                    <p:animEffect transition="in" filter="fade">
+                                      <p:cBhvr>
+                                        <p:cTn id="36" dur="2000"/>
+                                        <p:tgtEl>
+                                          <p:spTgt spid="9">
+                                            <p:txEl>
+                                              <p:pRg st="7" end="7"/>
+                                            </p:txEl>
+                                          </p:spTgt>
+                                        </p:tgtEl>
+                                      </p:cBhvr>
+                                    </p:animEffect>
+                                  </p:childTnLst>
+                                </p:cTn>
+                              </p:par>
+                              <p:par>
+                                <p:cTn id="37" presetID="10" presetClass="entr" presetSubtype="0" fill="hold" grpId="0" nodeType="withEffect">
+                                  <p:stCondLst>
+                                    <p:cond delay="0"/>
+                                  </p:stCondLst>
+                                  <p:childTnLst>
+                                    <p:set>
+                                      <p:cBhvr>
+                                        <p:cTn id="38" dur="1" fill="hold">
+                                          <p:stCondLst>
+                                            <p:cond delay="0"/>
+                                          </p:stCondLst>
+                                        </p:cTn>
+                                        <p:tgtEl>
+                                          <p:spTgt spid="9">
+                                            <p:txEl>
+                                              <p:pRg st="8" end="8"/>
+                                            </p:txEl>
+                                          </p:spTgt>
+                                        </p:tgtEl>
+                                        <p:attrNameLst>
+                                          <p:attrName>style.visibility</p:attrName>
+                                        </p:attrNameLst>
+                                      </p:cBhvr>
+                                      <p:to>
+                                        <p:strVal val="visible"/>
+                                      </p:to>
+                                    </p:set>
+                                    <p:animEffect transition="in" filter="fade">
+                                      <p:cBhvr>
+                                        <p:cTn id="39" dur="2000"/>
+                                        <p:tgtEl>
+                                          <p:spTgt spid="9">
+                                            <p:txEl>
+                                              <p:pRg st="8" end="8"/>
+                                            </p:txEl>
+                                          </p:spTgt>
+                                        </p:tgtEl>
+                                      </p:cBhvr>
+                                    </p:animEffect>
+                                  </p:childTnLst>
+                                </p:cTn>
+                              </p:par>
+                              <p:par>
+                                <p:cTn id="40" presetID="10" presetClass="entr" presetSubtype="0" fill="hold" grpId="0" nodeType="withEffect">
+                                  <p:stCondLst>
+                                    <p:cond delay="0"/>
+                                  </p:stCondLst>
+                                  <p:childTnLst>
+                                    <p:set>
+                                      <p:cBhvr>
+                                        <p:cTn id="41" dur="1" fill="hold">
+                                          <p:stCondLst>
+                                            <p:cond delay="0"/>
+                                          </p:stCondLst>
+                                        </p:cTn>
+                                        <p:tgtEl>
+                                          <p:spTgt spid="9">
+                                            <p:txEl>
+                                              <p:pRg st="9" end="9"/>
+                                            </p:txEl>
+                                          </p:spTgt>
+                                        </p:tgtEl>
+                                        <p:attrNameLst>
+                                          <p:attrName>style.visibility</p:attrName>
+                                        </p:attrNameLst>
+                                      </p:cBhvr>
+                                      <p:to>
+                                        <p:strVal val="visible"/>
+                                      </p:to>
+                                    </p:set>
+                                    <p:animEffect transition="in" filter="fade">
+                                      <p:cBhvr>
+                                        <p:cTn id="42" dur="2000"/>
+                                        <p:tgtEl>
+                                          <p:spTgt spid="9">
+                                            <p:txEl>
+                                              <p:pRg st="9" end="9"/>
+                                            </p:txEl>
+                                          </p:spTgt>
+                                        </p:tgtEl>
+                                      </p:cBhvr>
+                                    </p:animEffect>
+                                  </p:childTnLst>
+                                </p:cTn>
+                              </p:par>
+                              <p:par>
+                                <p:cTn id="43" presetID="10" presetClass="entr" presetSubtype="0" fill="hold" grpId="0" nodeType="withEffect">
+                                  <p:stCondLst>
+                                    <p:cond delay="0"/>
+                                  </p:stCondLst>
+                                  <p:childTnLst>
+                                    <p:set>
+                                      <p:cBhvr>
+                                        <p:cTn id="44" dur="1" fill="hold">
+                                          <p:stCondLst>
+                                            <p:cond delay="0"/>
+                                          </p:stCondLst>
+                                        </p:cTn>
+                                        <p:tgtEl>
+                                          <p:spTgt spid="9">
+                                            <p:txEl>
+                                              <p:pRg st="10" end="10"/>
+                                            </p:txEl>
+                                          </p:spTgt>
+                                        </p:tgtEl>
+                                        <p:attrNameLst>
+                                          <p:attrName>style.visibility</p:attrName>
+                                        </p:attrNameLst>
+                                      </p:cBhvr>
+                                      <p:to>
+                                        <p:strVal val="visible"/>
+                                      </p:to>
+                                    </p:set>
+                                    <p:animEffect transition="in" filter="fade">
+                                      <p:cBhvr>
+                                        <p:cTn id="45" dur="2000"/>
+                                        <p:tgtEl>
+                                          <p:spTgt spid="9">
+                                            <p:txEl>
+                                              <p:pRg st="10" end="10"/>
+                                            </p:txEl>
+                                          </p:spTgt>
+                                        </p:tgtEl>
+                                      </p:cBhvr>
+                                    </p:animEffect>
+                                  </p:childTnLst>
+                                </p:cTn>
+                              </p:par>
+                              <p:par>
+                                <p:cTn id="46" presetID="10" presetClass="entr" presetSubtype="0" fill="hold" grpId="0" nodeType="withEffect">
+                                  <p:stCondLst>
+                                    <p:cond delay="0"/>
+                                  </p:stCondLst>
+                                  <p:childTnLst>
+                                    <p:set>
+                                      <p:cBhvr>
+                                        <p:cTn id="47" dur="1" fill="hold">
+                                          <p:stCondLst>
+                                            <p:cond delay="0"/>
+                                          </p:stCondLst>
+                                        </p:cTn>
+                                        <p:tgtEl>
+                                          <p:spTgt spid="9">
+                                            <p:txEl>
+                                              <p:pRg st="11" end="11"/>
+                                            </p:txEl>
+                                          </p:spTgt>
+                                        </p:tgtEl>
+                                        <p:attrNameLst>
+                                          <p:attrName>style.visibility</p:attrName>
+                                        </p:attrNameLst>
+                                      </p:cBhvr>
+                                      <p:to>
+                                        <p:strVal val="visible"/>
+                                      </p:to>
+                                    </p:set>
+                                    <p:animEffect transition="in" filter="fade">
+                                      <p:cBhvr>
+                                        <p:cTn id="48" dur="2000"/>
+                                        <p:tgtEl>
+                                          <p:spTgt spid="9">
+                                            <p:txEl>
+                                              <p:pRg st="11" end="11"/>
+                                            </p:txEl>
+                                          </p:spTgt>
+                                        </p:tgtEl>
+                                      </p:cBhvr>
+                                    </p:animEffect>
                                   </p:childTnLst>
                                 </p:cTn>
                               </p:par>
@@ -14074,6 +15153,9 @@
         </p:cTn>
       </p:par>
     </p:tnLst>
+    <p:bldLst>
+      <p:bldP spid="9" grpId="0" build="allAtOnce" animBg="1"/>
+    </p:bldLst>
   </p:timing>
 </p:sld>
 </file>
@@ -14957,6 +16039,100 @@
       </p:grpSpPr>
       <p:sp>
         <p:nvSpPr>
+          <p:cNvPr id="2" name="Title 1"/>
+          <p:cNvSpPr>
+            <a:spLocks noGrp="1"/>
+          </p:cNvSpPr>
+          <p:nvPr>
+            <p:ph type="title"/>
+          </p:nvPr>
+        </p:nvSpPr>
+        <p:spPr>
+          <a:xfrm>
+            <a:off x="457200" y="142852"/>
+            <a:ext cx="8229600" cy="928686"/>
+          </a:xfrm>
+        </p:spPr>
+        <p:txBody>
+          <a:bodyPr/>
+          <a:lstStyle/>
+          <a:p>
+            <a:r>
+              <a:rPr lang="en-GB" dirty="0" smtClean="0"/>
+              <a:t>Revisiting the extension </a:t>
+            </a:r>
+            <a:r>
+              <a:rPr lang="en-GB" dirty="0" smtClean="0"/>
+              <a:t>scenario</a:t>
+            </a:r>
+            <a:endParaRPr lang="en-GB" dirty="0"/>
+          </a:p>
+        </p:txBody>
+      </p:sp>
+      <p:pic>
+        <p:nvPicPr>
+          <p:cNvPr id="22" name="Picture 21"/>
+          <p:cNvPicPr/>
+          <p:nvPr/>
+        </p:nvPicPr>
+        <p:blipFill>
+          <a:blip r:embed="rId3" cstate="print"/>
+          <a:srcRect/>
+          <a:stretch>
+            <a:fillRect/>
+          </a:stretch>
+        </p:blipFill>
+        <p:spPr bwMode="auto">
+          <a:xfrm>
+            <a:off x="1214414" y="1357298"/>
+            <a:ext cx="7053848" cy="4929222"/>
+          </a:xfrm>
+          <a:prstGeom prst="rect">
+            <a:avLst/>
+          </a:prstGeom>
+          <a:noFill/>
+          <a:ln w="9525">
+            <a:noFill/>
+            <a:miter lim="800000"/>
+            <a:headEnd/>
+            <a:tailEnd/>
+          </a:ln>
+        </p:spPr>
+      </p:pic>
+    </p:spTree>
+  </p:cSld>
+  <p:clrMapOvr>
+    <a:masterClrMapping/>
+  </p:clrMapOvr>
+  <p:timing>
+    <p:tnLst>
+      <p:par>
+        <p:cTn id="1" dur="indefinite" restart="never" nodeType="tmRoot"/>
+      </p:par>
+    </p:tnLst>
+  </p:timing>
+</p:sld>
+</file>
+
+<file path=ppt/slides/slide25.xml><?xml version="1.0" encoding="utf-8"?>
+<p:sld xmlns:a="http://schemas.openxmlformats.org/drawingml/2006/main" xmlns:r="http://schemas.openxmlformats.org/officeDocument/2006/relationships" xmlns:p="http://schemas.openxmlformats.org/presentationml/2006/main">
+  <p:cSld>
+    <p:spTree>
+      <p:nvGrpSpPr>
+        <p:cNvPr id="1" name=""/>
+        <p:cNvGrpSpPr/>
+        <p:nvPr/>
+      </p:nvGrpSpPr>
+      <p:grpSpPr>
+        <a:xfrm>
+          <a:off x="0" y="0"/>
+          <a:ext cx="0" cy="0"/>
+          <a:chOff x="0" y="0"/>
+          <a:chExt cx="0" cy="0"/>
+        </a:xfrm>
+      </p:grpSpPr>
+      <p:sp>
+        <p:nvSpPr>
           <p:cNvPr id="9" name="Rounded Rectangular Callout 8"/>
           <p:cNvSpPr/>
           <p:nvPr/>
@@ -18195,7 +19371,7 @@
 </p:sld>
 </file>
 
-<file path=ppt/slides/slide25.xml><?xml version="1.0" encoding="utf-8"?>
+<file path=ppt/slides/slide26.xml><?xml version="1.0" encoding="utf-8"?>
 <p:sld xmlns:a="http://schemas.openxmlformats.org/drawingml/2006/main" xmlns:r="http://schemas.openxmlformats.org/officeDocument/2006/relationships" xmlns:p="http://schemas.openxmlformats.org/presentationml/2006/main">
   <p:cSld>
     <p:spTree>
@@ -18892,153 +20068,6 @@
 </p:sld>
 </file>
 
-<file path=ppt/slides/slide26.xml><?xml version="1.0" encoding="utf-8"?>
-<p:sld xmlns:a="http://schemas.openxmlformats.org/drawingml/2006/main" xmlns:r="http://schemas.openxmlformats.org/officeDocument/2006/relationships" xmlns:p="http://schemas.openxmlformats.org/presentationml/2006/main">
-  <p:cSld>
-    <p:spTree>
-      <p:nvGrpSpPr>
-        <p:cNvPr id="1" name=""/>
-        <p:cNvGrpSpPr/>
-        <p:nvPr/>
-      </p:nvGrpSpPr>
-      <p:grpSpPr>
-        <a:xfrm>
-          <a:off x="0" y="0"/>
-          <a:ext cx="0" cy="0"/>
-          <a:chOff x="0" y="0"/>
-          <a:chExt cx="0" cy="0"/>
-        </a:xfrm>
-      </p:grpSpPr>
-      <p:sp>
-        <p:nvSpPr>
-          <p:cNvPr id="2" name="Title 1"/>
-          <p:cNvSpPr>
-            <a:spLocks noGrp="1"/>
-          </p:cNvSpPr>
-          <p:nvPr>
-            <p:ph type="title"/>
-          </p:nvPr>
-        </p:nvSpPr>
-        <p:spPr/>
-        <p:txBody>
-          <a:bodyPr/>
-          <a:lstStyle/>
-          <a:p>
-            <a:r>
-              <a:rPr lang="en-GB" dirty="0" smtClean="0"/>
-              <a:t>Summary of Evolve</a:t>
-            </a:r>
-            <a:endParaRPr lang="en-GB" dirty="0"/>
-          </a:p>
-        </p:txBody>
-      </p:sp>
-      <p:sp>
-        <p:nvSpPr>
-          <p:cNvPr id="3" name="Content Placeholder 2"/>
-          <p:cNvSpPr>
-            <a:spLocks noGrp="1"/>
-          </p:cNvSpPr>
-          <p:nvPr>
-            <p:ph idx="1"/>
-          </p:nvPr>
-        </p:nvSpPr>
-        <p:spPr/>
-        <p:txBody>
-          <a:bodyPr>
-            <a:normAutofit lnSpcReduction="10000"/>
-          </a:bodyPr>
-          <a:lstStyle/>
-          <a:p>
-            <a:r>
-              <a:rPr lang="en-GB" dirty="0" smtClean="0"/>
-              <a:t>Architectural focus</a:t>
-            </a:r>
-          </a:p>
-          <a:p>
-            <a:pPr lvl="1"/>
-            <a:r>
-              <a:rPr lang="en-GB" dirty="0" smtClean="0"/>
-              <a:t>System structure is always explicit</a:t>
-            </a:r>
-          </a:p>
-          <a:p>
-            <a:pPr lvl="1"/>
-            <a:r>
-              <a:rPr lang="en-GB" dirty="0" smtClean="0"/>
-              <a:t>Encodes many best practices</a:t>
-            </a:r>
-          </a:p>
-          <a:p>
-            <a:pPr lvl="1"/>
-            <a:endParaRPr lang="en-GB" dirty="0" smtClean="0"/>
-          </a:p>
-          <a:p>
-            <a:r>
-              <a:rPr lang="en-GB" dirty="0" smtClean="0"/>
-              <a:t>Creation and extension are synergistic</a:t>
-            </a:r>
-          </a:p>
-          <a:p>
-            <a:pPr lvl="1"/>
-            <a:r>
-              <a:rPr lang="en-GB" dirty="0" smtClean="0"/>
-              <a:t>Creation does not limit extensibility – creates extension pts</a:t>
-            </a:r>
-          </a:p>
-          <a:p>
-            <a:pPr lvl="1"/>
-            <a:r>
-              <a:rPr lang="en-GB" dirty="0" smtClean="0"/>
-              <a:t>Extensibility does not compromise further creation</a:t>
-            </a:r>
-          </a:p>
-          <a:p>
-            <a:pPr lvl="1"/>
-            <a:endParaRPr lang="en-GB" dirty="0" smtClean="0"/>
-          </a:p>
-          <a:p>
-            <a:r>
-              <a:rPr lang="en-GB" dirty="0" smtClean="0"/>
-              <a:t>Integrates reuse and evolution concepts</a:t>
-            </a:r>
-          </a:p>
-          <a:p>
-            <a:pPr lvl="1"/>
-            <a:r>
-              <a:rPr lang="en-GB" dirty="0" smtClean="0"/>
-              <a:t>Slightly “uncanny” feeling</a:t>
-            </a:r>
-          </a:p>
-          <a:p>
-            <a:pPr lvl="1"/>
-            <a:r>
-              <a:rPr lang="en-GB" dirty="0" smtClean="0"/>
-              <a:t>Hard to “let go” of designing in extension points</a:t>
-            </a:r>
-          </a:p>
-          <a:p>
-            <a:endParaRPr lang="en-GB" dirty="0" smtClean="0"/>
-          </a:p>
-          <a:p>
-            <a:endParaRPr lang="en-GB" dirty="0"/>
-          </a:p>
-        </p:txBody>
-      </p:sp>
-    </p:spTree>
-  </p:cSld>
-  <p:clrMapOvr>
-    <a:masterClrMapping/>
-  </p:clrMapOvr>
-  <p:timing>
-    <p:tnLst>
-      <p:par>
-        <p:cTn id="1" dur="indefinite" restart="never" nodeType="tmRoot"/>
-      </p:par>
-    </p:tnLst>
-  </p:timing>
-</p:sld>
-</file>
-
 <file path=ppt/slides/slide27.xml><?xml version="1.0" encoding="utf-8"?>
 <p:sld xmlns:a="http://schemas.openxmlformats.org/drawingml/2006/main" xmlns:r="http://schemas.openxmlformats.org/officeDocument/2006/relationships" xmlns:p="http://schemas.openxmlformats.org/presentationml/2006/main">
   <p:cSld>
@@ -19073,7 +20102,7 @@
           <a:p>
             <a:r>
               <a:rPr lang="en-GB" dirty="0" smtClean="0"/>
-              <a:t>Restrictions and Limitations</a:t>
+              <a:t>Summary of Evolve</a:t>
             </a:r>
             <a:endParaRPr lang="en-GB" dirty="0"/>
           </a:p>
@@ -19092,80 +20121,106 @@
         <p:spPr/>
         <p:txBody>
           <a:bodyPr>
-            <a:normAutofit lnSpcReduction="10000"/>
+            <a:normAutofit fontScale="85000" lnSpcReduction="20000"/>
           </a:bodyPr>
           <a:lstStyle/>
           <a:p>
             <a:r>
               <a:rPr lang="en-GB" dirty="0" smtClean="0"/>
-              <a:t>No semantic or behavioural guarantees after extension</a:t>
+              <a:t>Architectural focus</a:t>
             </a:r>
           </a:p>
           <a:p>
             <a:pPr lvl="1"/>
             <a:r>
               <a:rPr lang="en-GB" dirty="0" smtClean="0"/>
-              <a:t>Future work aimed at behavioural protocols &amp; goals</a:t>
-            </a:r>
-            <a:br>
+              <a:t>System structure is always explicit</a:t>
+            </a:r>
+          </a:p>
+          <a:p>
+            <a:pPr lvl="1"/>
+            <a:r>
               <a:rPr lang="en-GB" dirty="0" smtClean="0"/>
-            </a:br>
+              <a:t>Encodes many best practices</a:t>
+            </a:r>
+          </a:p>
+          <a:p>
+            <a:pPr lvl="1"/>
+            <a:endParaRPr lang="en-GB" dirty="0" smtClean="0"/>
+          </a:p>
+          <a:p>
             <a:r>
               <a:rPr lang="en-GB" dirty="0" smtClean="0"/>
-              <a:t>[PV02] [MK06]</a:t>
+              <a:t>Creation and extension are synergistic</a:t>
             </a:r>
           </a:p>
           <a:p>
             <a:pPr lvl="1"/>
             <a:r>
               <a:rPr lang="en-GB" dirty="0" smtClean="0"/>
-              <a:t>Extensions will be able to alter these descriptions</a:t>
+              <a:t>Creation does not limit extensibility – creates extension pts</a:t>
+            </a:r>
+          </a:p>
+          <a:p>
+            <a:pPr lvl="1"/>
+            <a:r>
+              <a:rPr lang="en-GB" dirty="0" smtClean="0"/>
+              <a:t>Extensibility does not compromise further creation</a:t>
+            </a:r>
+          </a:p>
+          <a:p>
+            <a:pPr lvl="1"/>
+            <a:endParaRPr lang="en-GB" dirty="0" smtClean="0"/>
+          </a:p>
+          <a:p>
+            <a:r>
+              <a:rPr lang="en-GB" dirty="0" smtClean="0"/>
+              <a:t>Integrates reuse and evolution concepts</a:t>
+            </a:r>
+          </a:p>
+          <a:p>
+            <a:pPr lvl="1"/>
+            <a:r>
+              <a:rPr lang="en-GB" dirty="0" smtClean="0"/>
+              <a:t>Slightly “uncanny” feeling</a:t>
+            </a:r>
+          </a:p>
+          <a:p>
+            <a:pPr lvl="1"/>
+            <a:r>
+              <a:rPr lang="en-GB" dirty="0" smtClean="0"/>
+              <a:t>Hard to “let go” of designing in extension </a:t>
+            </a:r>
+            <a:r>
+              <a:rPr lang="en-GB" dirty="0" smtClean="0"/>
+              <a:t>points</a:t>
+            </a:r>
+          </a:p>
+          <a:p>
+            <a:pPr lvl="1"/>
+            <a:endParaRPr lang="en-GB" dirty="0" smtClean="0"/>
+          </a:p>
+          <a:p>
+            <a:r>
+              <a:rPr lang="en-GB" dirty="0" smtClean="0"/>
+              <a:t>Evolve is a product aimed at industry developers!</a:t>
             </a:r>
           </a:p>
           <a:p>
             <a:pPr lvl="1">
               <a:buNone/>
             </a:pPr>
+            <a:r>
+              <a:rPr lang="en-GB" b="1" dirty="0" smtClean="0"/>
+              <a:t>	http://www.intrinsarc.com</a:t>
+            </a:r>
+            <a:endParaRPr lang="en-GB" b="1" dirty="0" smtClean="0"/>
+          </a:p>
+          <a:p>
             <a:endParaRPr lang="en-GB" dirty="0" smtClean="0"/>
           </a:p>
           <a:p>
-            <a:r>
-              <a:rPr lang="en-GB" dirty="0" smtClean="0"/>
-              <a:t>Cost of change not always proportional to desired change</a:t>
-            </a:r>
-          </a:p>
-          <a:p>
-            <a:pPr lvl="1"/>
-            <a:r>
-              <a:rPr lang="en-GB" dirty="0" smtClean="0"/>
-              <a:t>Granularity of components</a:t>
-            </a:r>
-          </a:p>
-          <a:p>
-            <a:pPr lvl="1">
-              <a:buNone/>
-            </a:pPr>
-            <a:endParaRPr lang="en-GB" dirty="0" smtClean="0"/>
-          </a:p>
-          <a:p>
-            <a:r>
-              <a:rPr lang="en-GB" dirty="0" smtClean="0"/>
-              <a:t>Alien approach to many industry developers</a:t>
-            </a:r>
-          </a:p>
-          <a:p>
-            <a:pPr lvl="1"/>
-            <a:r>
-              <a:rPr lang="en-GB" dirty="0" smtClean="0"/>
-              <a:t>Moving beyond a textual description!</a:t>
-            </a:r>
-          </a:p>
-          <a:p>
-            <a:pPr lvl="1"/>
-            <a:r>
-              <a:rPr lang="en-GB" dirty="0" smtClean="0"/>
-              <a:t>Teach composition first?</a:t>
-            </a:r>
+            <a:endParaRPr lang="en-GB" dirty="0"/>
           </a:p>
         </p:txBody>
       </p:sp>
@@ -19218,6 +20273,151 @@
           <a:p>
             <a:r>
               <a:rPr lang="en-GB" dirty="0" smtClean="0"/>
+              <a:t>Restrictions and Limitations</a:t>
+            </a:r>
+            <a:endParaRPr lang="en-GB" dirty="0"/>
+          </a:p>
+        </p:txBody>
+      </p:sp>
+      <p:sp>
+        <p:nvSpPr>
+          <p:cNvPr id="3" name="Content Placeholder 2"/>
+          <p:cNvSpPr>
+            <a:spLocks noGrp="1"/>
+          </p:cNvSpPr>
+          <p:nvPr>
+            <p:ph idx="1"/>
+          </p:nvPr>
+        </p:nvSpPr>
+        <p:spPr/>
+        <p:txBody>
+          <a:bodyPr>
+            <a:normAutofit lnSpcReduction="10000"/>
+          </a:bodyPr>
+          <a:lstStyle/>
+          <a:p>
+            <a:r>
+              <a:rPr lang="en-GB" dirty="0" smtClean="0"/>
+              <a:t>No semantic or behavioural guarantees after extension</a:t>
+            </a:r>
+          </a:p>
+          <a:p>
+            <a:pPr lvl="1"/>
+            <a:r>
+              <a:rPr lang="en-GB" dirty="0" smtClean="0"/>
+              <a:t>Future work aimed at behavioural protocols &amp; goals</a:t>
+            </a:r>
+            <a:br>
+              <a:rPr lang="en-GB" dirty="0" smtClean="0"/>
+            </a:br>
+            <a:r>
+              <a:rPr lang="en-GB" dirty="0" smtClean="0"/>
+              <a:t>[PV02] [MK06]</a:t>
+            </a:r>
+          </a:p>
+          <a:p>
+            <a:pPr lvl="1"/>
+            <a:r>
+              <a:rPr lang="en-GB" dirty="0" smtClean="0"/>
+              <a:t>Extensions will be able to alter these descriptions</a:t>
+            </a:r>
+          </a:p>
+          <a:p>
+            <a:pPr lvl="1">
+              <a:buNone/>
+            </a:pPr>
+            <a:endParaRPr lang="en-GB" dirty="0" smtClean="0"/>
+          </a:p>
+          <a:p>
+            <a:r>
+              <a:rPr lang="en-GB" dirty="0" smtClean="0"/>
+              <a:t>Cost of change not always proportional to desired change</a:t>
+            </a:r>
+          </a:p>
+          <a:p>
+            <a:pPr lvl="1"/>
+            <a:r>
+              <a:rPr lang="en-GB" dirty="0" smtClean="0"/>
+              <a:t>Granularity of components</a:t>
+            </a:r>
+          </a:p>
+          <a:p>
+            <a:pPr lvl="1">
+              <a:buNone/>
+            </a:pPr>
+            <a:endParaRPr lang="en-GB" dirty="0" smtClean="0"/>
+          </a:p>
+          <a:p>
+            <a:r>
+              <a:rPr lang="en-GB" dirty="0" smtClean="0"/>
+              <a:t>Alien approach to many industry developers</a:t>
+            </a:r>
+          </a:p>
+          <a:p>
+            <a:pPr lvl="1"/>
+            <a:r>
+              <a:rPr lang="en-GB" dirty="0" smtClean="0"/>
+              <a:t>Moving beyond a textual description!</a:t>
+            </a:r>
+          </a:p>
+          <a:p>
+            <a:pPr lvl="1"/>
+            <a:r>
+              <a:rPr lang="en-GB" dirty="0" smtClean="0"/>
+              <a:t>Teach composition first?</a:t>
+            </a:r>
+          </a:p>
+        </p:txBody>
+      </p:sp>
+    </p:spTree>
+  </p:cSld>
+  <p:clrMapOvr>
+    <a:masterClrMapping/>
+  </p:clrMapOvr>
+  <p:timing>
+    <p:tnLst>
+      <p:par>
+        <p:cTn id="1" dur="indefinite" restart="never" nodeType="tmRoot"/>
+      </p:par>
+    </p:tnLst>
+  </p:timing>
+</p:sld>
+</file>
+
+<file path=ppt/slides/slide29.xml><?xml version="1.0" encoding="utf-8"?>
+<p:sld xmlns:a="http://schemas.openxmlformats.org/drawingml/2006/main" xmlns:r="http://schemas.openxmlformats.org/officeDocument/2006/relationships" xmlns:p="http://schemas.openxmlformats.org/presentationml/2006/main">
+  <p:cSld>
+    <p:spTree>
+      <p:nvGrpSpPr>
+        <p:cNvPr id="1" name=""/>
+        <p:cNvGrpSpPr/>
+        <p:nvPr/>
+      </p:nvGrpSpPr>
+      <p:grpSpPr>
+        <a:xfrm>
+          <a:off x="0" y="0"/>
+          <a:ext cx="0" cy="0"/>
+          <a:chOff x="0" y="0"/>
+          <a:chExt cx="0" cy="0"/>
+        </a:xfrm>
+      </p:grpSpPr>
+      <p:sp>
+        <p:nvSpPr>
+          <p:cNvPr id="2" name="Title 1"/>
+          <p:cNvSpPr>
+            <a:spLocks noGrp="1"/>
+          </p:cNvSpPr>
+          <p:nvPr>
+            <p:ph type="title"/>
+          </p:nvPr>
+        </p:nvSpPr>
+        <p:spPr/>
+        <p:txBody>
+          <a:bodyPr/>
+          <a:lstStyle/>
+          <a:p>
+            <a:r>
+              <a:rPr lang="en-GB" dirty="0" smtClean="0"/>
               <a:t>Bibliography</a:t>
             </a:r>
             <a:endParaRPr lang="en-GB" dirty="0"/>
@@ -19242,250 +20442,293 @@
           <a:lstStyle/>
           <a:p>
             <a:r>
-              <a:rPr lang="en-GB" sz="1400" dirty="0" smtClean="0"/>
+              <a:rPr lang="en-GB" sz="1200" dirty="0" smtClean="0"/>
               <a:t>[KF98]- Toward a Formal Theory of Extensible Software</a:t>
             </a:r>
           </a:p>
           <a:p>
             <a:pPr lvl="1"/>
             <a:r>
-              <a:rPr lang="en-GB" sz="1400" dirty="0" err="1" smtClean="0"/>
+              <a:rPr lang="en-GB" sz="1200" dirty="0" err="1" smtClean="0"/>
               <a:t>Shriram</a:t>
             </a:r>
             <a:r>
-              <a:rPr lang="en-GB" sz="1400" dirty="0" smtClean="0"/>
+              <a:rPr lang="en-GB" sz="1200" dirty="0" smtClean="0"/>
               <a:t> </a:t>
             </a:r>
             <a:r>
-              <a:rPr lang="en-GB" sz="1400" dirty="0" err="1" smtClean="0"/>
+              <a:rPr lang="en-GB" sz="1200" dirty="0" err="1" smtClean="0"/>
               <a:t>Krishnamurthi</a:t>
             </a:r>
             <a:r>
-              <a:rPr lang="en-GB" sz="1400" dirty="0" smtClean="0"/>
+              <a:rPr lang="en-GB" sz="1200" dirty="0" smtClean="0"/>
               <a:t>, Matthias </a:t>
             </a:r>
             <a:r>
-              <a:rPr lang="en-GB" sz="1400" dirty="0" err="1" smtClean="0"/>
+              <a:rPr lang="en-GB" sz="1200" dirty="0" err="1" smtClean="0"/>
               <a:t>Felleisen</a:t>
             </a:r>
             <a:r>
-              <a:rPr lang="en-GB" sz="1400" dirty="0" smtClean="0"/>
+              <a:rPr lang="en-GB" sz="1200" dirty="0" smtClean="0"/>
               <a:t>, </a:t>
             </a:r>
             <a:r>
-              <a:rPr lang="en-GB" sz="1400" u="sng" dirty="0" smtClean="0"/>
+              <a:rPr lang="en-GB" sz="1200" u="sng" dirty="0" smtClean="0"/>
               <a:t>SIGSOFT '98/FSE-6</a:t>
             </a:r>
           </a:p>
           <a:p>
             <a:r>
-              <a:rPr lang="en-GB" sz="1400" dirty="0" smtClean="0"/>
+              <a:rPr lang="en-GB" sz="1200" dirty="0" smtClean="0"/>
               <a:t>[Par78] - Designing Software for Ease of Extension and Contraction</a:t>
             </a:r>
           </a:p>
           <a:p>
             <a:pPr lvl="1"/>
             <a:r>
-              <a:rPr lang="en-GB" sz="1400" dirty="0" smtClean="0"/>
+              <a:rPr lang="en-GB" sz="1200" dirty="0" smtClean="0"/>
               <a:t>David </a:t>
             </a:r>
             <a:r>
-              <a:rPr lang="en-GB" sz="1400" dirty="0" err="1" smtClean="0"/>
+              <a:rPr lang="en-GB" sz="1200" dirty="0" err="1" smtClean="0"/>
               <a:t>Parnas</a:t>
             </a:r>
             <a:r>
-              <a:rPr lang="en-GB" sz="1400" dirty="0" smtClean="0"/>
+              <a:rPr lang="en-GB" sz="1200" dirty="0" smtClean="0"/>
               <a:t>, </a:t>
             </a:r>
             <a:r>
-              <a:rPr lang="en-GB" sz="1400" u="sng" dirty="0" smtClean="0"/>
+              <a:rPr lang="en-GB" sz="1200" u="sng" dirty="0" smtClean="0"/>
               <a:t>ICSE ’78</a:t>
             </a:r>
           </a:p>
           <a:p>
             <a:r>
-              <a:rPr lang="en-GB" sz="1400" dirty="0" smtClean="0"/>
+              <a:rPr lang="en-GB" sz="1200" dirty="0" smtClean="0"/>
               <a:t>[BBHL04] - Software Evolution</a:t>
             </a:r>
           </a:p>
           <a:p>
             <a:pPr lvl="1"/>
             <a:r>
-              <a:rPr lang="en-GB" sz="1400" dirty="0" smtClean="0"/>
+              <a:rPr lang="en-GB" sz="1200" dirty="0" smtClean="0"/>
               <a:t>Keith Bennett, David </a:t>
             </a:r>
             <a:r>
-              <a:rPr lang="en-GB" sz="1400" dirty="0" err="1" smtClean="0"/>
+              <a:rPr lang="en-GB" sz="1200" dirty="0" err="1" smtClean="0"/>
               <a:t>Budgen</a:t>
             </a:r>
             <a:r>
-              <a:rPr lang="en-GB" sz="1400" dirty="0" smtClean="0"/>
+              <a:rPr lang="en-GB" sz="1200" dirty="0" smtClean="0"/>
               <a:t>, Tony Hoare, Paul </a:t>
             </a:r>
             <a:r>
-              <a:rPr lang="en-GB" sz="1400" dirty="0" err="1" smtClean="0"/>
+              <a:rPr lang="en-GB" sz="1200" dirty="0" err="1" smtClean="0"/>
               <a:t>Layzell</a:t>
             </a:r>
             <a:r>
-              <a:rPr lang="en-GB" sz="1400" dirty="0" smtClean="0"/>
+              <a:rPr lang="en-GB" sz="1200" dirty="0" smtClean="0"/>
               <a:t/>
             </a:r>
             <a:br>
-              <a:rPr lang="en-GB" sz="1400" dirty="0" smtClean="0"/>
+              <a:rPr lang="en-GB" sz="1200" dirty="0" smtClean="0"/>
             </a:br>
             <a:r>
-              <a:rPr lang="en-GB" sz="1400" u="sng" dirty="0" smtClean="0"/>
+              <a:rPr lang="en-GB" sz="1200" u="sng" dirty="0" smtClean="0"/>
               <a:t>Grand Challenges for Computing, 2004</a:t>
             </a:r>
           </a:p>
           <a:p>
             <a:r>
-              <a:rPr lang="en-GB" sz="1400" dirty="0" smtClean="0"/>
+              <a:rPr lang="en-GB" sz="1200" dirty="0" smtClean="0"/>
               <a:t>[Ben03] - The software maintenance of large software systems: Management, methods and tools</a:t>
             </a:r>
           </a:p>
           <a:p>
             <a:pPr lvl="1"/>
             <a:r>
-              <a:rPr lang="en-GB" sz="1400" dirty="0" smtClean="0"/>
+              <a:rPr lang="en-GB" sz="1200" dirty="0" smtClean="0"/>
               <a:t>Keith Bennett, </a:t>
             </a:r>
             <a:r>
-              <a:rPr lang="en-GB" sz="1400" u="sng" dirty="0" smtClean="0"/>
-              <a:t>Reliability, Engineering and System Safety 1991</a:t>
-            </a:r>
-          </a:p>
-          <a:p>
-            <a:r>
-              <a:rPr lang="en-GB" sz="1400" u="sng" dirty="0" smtClean="0"/>
+              <a:rPr lang="en-GB" sz="1200" u="sng" dirty="0" smtClean="0"/>
+              <a:t>Reliability, Engineering and System Safety </a:t>
+            </a:r>
+            <a:r>
+              <a:rPr lang="en-GB" sz="1200" u="sng" dirty="0" smtClean="0"/>
+              <a:t>1991</a:t>
+            </a:r>
+          </a:p>
+          <a:p>
+            <a:r>
+              <a:rPr lang="en-GB" sz="1200" dirty="0" smtClean="0"/>
+              <a:t>[SGW94] – Real-Time Object Oriented </a:t>
+            </a:r>
+            <a:r>
+              <a:rPr lang="en-GB" sz="1200" dirty="0" err="1" smtClean="0"/>
+              <a:t>Modeling</a:t>
+            </a:r>
+            <a:endParaRPr lang="en-GB" sz="1200" dirty="0" smtClean="0"/>
+          </a:p>
+          <a:p>
+            <a:pPr lvl="1"/>
+            <a:r>
+              <a:rPr lang="en-GB" sz="1200" dirty="0" smtClean="0"/>
+              <a:t>B. </a:t>
+            </a:r>
+            <a:r>
+              <a:rPr lang="en-GB" sz="1200" dirty="0" err="1" smtClean="0"/>
+              <a:t>Selic</a:t>
+            </a:r>
+            <a:r>
+              <a:rPr lang="en-GB" sz="1200" dirty="0" smtClean="0"/>
+              <a:t>, </a:t>
+            </a:r>
+            <a:r>
+              <a:rPr lang="en-GB" sz="1200" dirty="0" err="1" smtClean="0"/>
+              <a:t>G.Gullekson</a:t>
+            </a:r>
+            <a:r>
+              <a:rPr lang="en-GB" sz="1200" dirty="0" smtClean="0"/>
+              <a:t>, P. Ward, </a:t>
+            </a:r>
+            <a:r>
+              <a:rPr lang="en-GB" sz="1200" u="sng" dirty="0" smtClean="0"/>
+              <a:t>John Wiley &amp; Sons, 1994</a:t>
+            </a:r>
+            <a:endParaRPr lang="en-GB" sz="1200" u="sng" dirty="0" smtClean="0"/>
+          </a:p>
+          <a:p>
+            <a:r>
+              <a:rPr lang="en-GB" sz="1200" u="sng" dirty="0" smtClean="0"/>
               <a:t>[MDEK95] - Specifying Distributed Software Architectures</a:t>
             </a:r>
           </a:p>
           <a:p>
             <a:pPr lvl="1"/>
             <a:r>
-              <a:rPr lang="en-GB" sz="1400" dirty="0" smtClean="0"/>
+              <a:rPr lang="en-GB" sz="1200" dirty="0" smtClean="0"/>
               <a:t>Jeff Magee, </a:t>
             </a:r>
             <a:r>
-              <a:rPr lang="en-GB" sz="1400" dirty="0" err="1" smtClean="0"/>
+              <a:rPr lang="en-GB" sz="1200" dirty="0" err="1" smtClean="0"/>
               <a:t>Naranker</a:t>
             </a:r>
             <a:r>
-              <a:rPr lang="en-GB" sz="1400" dirty="0" smtClean="0"/>
+              <a:rPr lang="en-GB" sz="1200" dirty="0" smtClean="0"/>
               <a:t> </a:t>
             </a:r>
             <a:r>
-              <a:rPr lang="en-GB" sz="1400" dirty="0" err="1" smtClean="0"/>
+              <a:rPr lang="en-GB" sz="1200" dirty="0" err="1" smtClean="0"/>
               <a:t>Dulay</a:t>
             </a:r>
             <a:r>
-              <a:rPr lang="en-GB" sz="1400" dirty="0" smtClean="0"/>
+              <a:rPr lang="en-GB" sz="1200" dirty="0" smtClean="0"/>
               <a:t>, Susan </a:t>
             </a:r>
             <a:r>
-              <a:rPr lang="en-GB" sz="1400" dirty="0" err="1" smtClean="0"/>
+              <a:rPr lang="en-GB" sz="1200" dirty="0" err="1" smtClean="0"/>
               <a:t>Eisenbach</a:t>
             </a:r>
             <a:r>
-              <a:rPr lang="en-GB" sz="1400" dirty="0" smtClean="0"/>
+              <a:rPr lang="en-GB" sz="1200" dirty="0" smtClean="0"/>
               <a:t>, Jeff Kramer, ESEC 1995</a:t>
             </a:r>
           </a:p>
           <a:p>
             <a:r>
-              <a:rPr lang="en-GB" sz="1400" u="sng" dirty="0" smtClean="0"/>
+              <a:rPr lang="en-GB" sz="1200" u="sng" dirty="0" smtClean="0"/>
               <a:t>[PBJ98] - </a:t>
             </a:r>
             <a:r>
-              <a:rPr lang="en-GB" sz="1400" dirty="0" smtClean="0"/>
+              <a:rPr lang="en-GB" sz="1200" dirty="0" smtClean="0"/>
               <a:t>SOFA/DCUP: Architecture for Component Trading and Dynamic Updating</a:t>
             </a:r>
           </a:p>
           <a:p>
             <a:pPr lvl="1"/>
             <a:r>
-              <a:rPr lang="en-GB" sz="1400" dirty="0" err="1" smtClean="0"/>
+              <a:rPr lang="en-GB" sz="1200" dirty="0" err="1" smtClean="0"/>
               <a:t>Plasil</a:t>
             </a:r>
             <a:r>
-              <a:rPr lang="en-GB" sz="1400" dirty="0" smtClean="0"/>
+              <a:rPr lang="en-GB" sz="1200" dirty="0" smtClean="0"/>
               <a:t> F., </a:t>
             </a:r>
             <a:r>
-              <a:rPr lang="en-GB" sz="1400" dirty="0" err="1" smtClean="0"/>
+              <a:rPr lang="en-GB" sz="1200" dirty="0" err="1" smtClean="0"/>
               <a:t>Balek</a:t>
             </a:r>
             <a:r>
-              <a:rPr lang="en-GB" sz="1400" dirty="0" smtClean="0"/>
+              <a:rPr lang="en-GB" sz="1200" dirty="0" smtClean="0"/>
               <a:t>, D., </a:t>
             </a:r>
             <a:r>
-              <a:rPr lang="en-GB" sz="1400" dirty="0" err="1" smtClean="0"/>
+              <a:rPr lang="en-GB" sz="1200" dirty="0" err="1" smtClean="0"/>
               <a:t>Janecek</a:t>
             </a:r>
             <a:r>
-              <a:rPr lang="en-GB" sz="1400" dirty="0" smtClean="0"/>
+              <a:rPr lang="en-GB" sz="1200" dirty="0" smtClean="0"/>
               <a:t>, R., ICCDS 1995</a:t>
             </a:r>
           </a:p>
           <a:p>
             <a:r>
-              <a:rPr lang="en-GB" sz="1400" dirty="0" smtClean="0"/>
+              <a:rPr lang="en-GB" sz="1200" dirty="0" smtClean="0"/>
               <a:t>[PV02] - </a:t>
             </a:r>
             <a:r>
-              <a:rPr lang="en-GB" sz="1400" dirty="0" err="1" smtClean="0"/>
+              <a:rPr lang="en-GB" sz="1200" dirty="0" err="1" smtClean="0"/>
               <a:t>Behavior</a:t>
             </a:r>
             <a:r>
-              <a:rPr lang="en-GB" sz="1400" dirty="0" smtClean="0"/>
+              <a:rPr lang="en-GB" sz="1200" dirty="0" smtClean="0"/>
               <a:t> Protocols for Software Components</a:t>
             </a:r>
           </a:p>
           <a:p>
             <a:pPr lvl="1"/>
             <a:r>
-              <a:rPr lang="en-GB" sz="1400" dirty="0" err="1" smtClean="0"/>
+              <a:rPr lang="en-GB" sz="1200" dirty="0" err="1" smtClean="0"/>
               <a:t>Plasil</a:t>
             </a:r>
             <a:r>
-              <a:rPr lang="en-GB" sz="1400" dirty="0" smtClean="0"/>
+              <a:rPr lang="en-GB" sz="1200" dirty="0" smtClean="0"/>
               <a:t>, F. and </a:t>
             </a:r>
             <a:r>
-              <a:rPr lang="en-GB" sz="1400" dirty="0" err="1" smtClean="0"/>
+              <a:rPr lang="en-GB" sz="1200" dirty="0" err="1" smtClean="0"/>
               <a:t>Visnovsky</a:t>
             </a:r>
             <a:r>
-              <a:rPr lang="en-GB" sz="1400" dirty="0" smtClean="0"/>
+              <a:rPr lang="en-GB" sz="1200" dirty="0" smtClean="0"/>
               <a:t>, S., </a:t>
             </a:r>
             <a:r>
-              <a:rPr lang="en-GB" sz="1400" u="sng" dirty="0" smtClean="0"/>
+              <a:rPr lang="en-GB" sz="1200" u="sng" dirty="0" smtClean="0"/>
               <a:t>IEEE Transactions on Software Engineering 2002</a:t>
             </a:r>
           </a:p>
           <a:p>
             <a:r>
-              <a:rPr lang="en-GB" sz="1400" dirty="0" smtClean="0"/>
+              <a:rPr lang="en-GB" sz="1200" dirty="0" smtClean="0"/>
               <a:t>[MK06] - Concurrency (State Models and Java Programs)</a:t>
             </a:r>
           </a:p>
           <a:p>
             <a:pPr lvl="1"/>
             <a:r>
-              <a:rPr lang="en-GB" sz="1400" dirty="0" smtClean="0"/>
+              <a:rPr lang="en-GB" sz="1200" dirty="0" smtClean="0"/>
               <a:t>Magee, J. and Kramer, J., </a:t>
             </a:r>
             <a:r>
-              <a:rPr lang="en-GB" sz="1400" u="sng" dirty="0" smtClean="0"/>
+              <a:rPr lang="en-GB" sz="1200" u="sng" dirty="0" smtClean="0"/>
               <a:t>John Wiley and Sons Ltd 2006</a:t>
             </a:r>
           </a:p>
           <a:p>
             <a:pPr lvl="1"/>
-            <a:endParaRPr lang="en-GB" sz="1400" dirty="0"/>
+            <a:endParaRPr lang="en-GB" sz="1200" dirty="0"/>
           </a:p>
         </p:txBody>
       </p:sp>

--- a/Academic Work/presentations/prague/Evolve - Introduction.pptx
+++ b/Academic Work/presentations/prague/Evolve - Introduction.pptx
@@ -221,7 +221,7 @@
             <a:fld id="{CC899B31-23B7-41FA-A7A8-47EAF8E80A0A}" type="datetimeFigureOut">
               <a:rPr lang="en-US" smtClean="0"/>
               <a:pPr/>
-              <a:t>2/1/2011</a:t>
+              <a:t>2/2/2011</a:t>
             </a:fld>
             <a:endParaRPr lang="en-GB"/>
           </a:p>
@@ -1197,17 +1197,57 @@
           <a:p>
             <a:r>
               <a:rPr lang="en-GB" dirty="0" smtClean="0"/>
-              <a:t>Expresses</a:t>
+              <a:t>Stratum is a module which</a:t>
             </a:r>
             <a:r>
               <a:rPr lang="en-GB" baseline="0" dirty="0" smtClean="0"/>
-              <a:t> dependencies on other strata.</a:t>
-            </a:r>
-          </a:p>
-          <a:p>
+              <a:t> </a:t>
+            </a:r>
+            <a:r>
+              <a:rPr lang="en-GB" dirty="0" smtClean="0"/>
+              <a:t>is explicit</a:t>
+            </a:r>
             <a:r>
               <a:rPr lang="en-GB" baseline="0" dirty="0" smtClean="0"/>
-              <a:t>A bit like UML2 packages, but with different nesting rules to suit extensibility better</a:t>
+              <a:t> about dependencies </a:t>
+            </a:r>
+            <a:r>
+              <a:rPr lang="en-GB" baseline="0" dirty="0" smtClean="0"/>
+              <a:t>on other strata.</a:t>
+            </a:r>
+          </a:p>
+          <a:p>
+            <a:endParaRPr lang="en-GB" baseline="0" dirty="0"/>
+          </a:p>
+          <a:p>
+            <a:r>
+              <a:rPr lang="en-GB" baseline="0" dirty="0" smtClean="0"/>
+              <a:t>Ownership means that others cannot modify it, but can express deltas against it to alter it</a:t>
+            </a:r>
+            <a:r>
+              <a:rPr lang="en-GB" baseline="0" dirty="0" smtClean="0"/>
+              <a:t>.</a:t>
+            </a:r>
+          </a:p>
+          <a:p>
+            <a:endParaRPr lang="en-GB" baseline="0" dirty="0" smtClean="0"/>
+          </a:p>
+          <a:p>
+            <a:r>
+              <a:rPr lang="en-GB" baseline="0" dirty="0" smtClean="0"/>
+              <a:t>Mention about import / export rules – designed to provide hiding &amp; intent, but allow reaching in if needed.</a:t>
+            </a:r>
+          </a:p>
+          <a:p>
+            <a:r>
+              <a:rPr lang="en-GB" baseline="0" dirty="0" smtClean="0"/>
+              <a:t>- Full nesting</a:t>
+            </a:r>
+          </a:p>
+          <a:p>
+            <a:r>
+              <a:rPr lang="en-GB" baseline="0" dirty="0" smtClean="0"/>
+              <a:t>- A bit like UML2 packages, but with different nesting rules to suit extensibility better</a:t>
             </a:r>
           </a:p>
           <a:p>
@@ -1215,13 +1255,9 @@
               <a:rPr lang="en-GB" baseline="0" dirty="0" smtClean="0"/>
               <a:t>	-- i.e. Children cannot see definitions in parents</a:t>
             </a:r>
-            <a:endParaRPr lang="en-GB" baseline="0" dirty="0"/>
-          </a:p>
-          <a:p>
-            <a:r>
-              <a:rPr lang="en-GB" baseline="0" dirty="0" smtClean="0"/>
-              <a:t>Ownership means that others cannot modify it, but can express deltas against it to alter it.</a:t>
-            </a:r>
+          </a:p>
+          <a:p>
+            <a:endParaRPr lang="en-GB" baseline="0" dirty="0" smtClean="0"/>
           </a:p>
         </p:txBody>
       </p:sp>
@@ -1331,11 +1367,7 @@
             </a:r>
             <a:r>
               <a:rPr lang="en-GB" baseline="0" dirty="0" smtClean="0"/>
-              <a:t> </a:t>
-            </a:r>
-            <a:r>
-              <a:rPr lang="en-GB" baseline="0" dirty="0" smtClean="0"/>
-              <a:t>that we work with the fully expanded structure at all times.</a:t>
+              <a:t> that we work with the fully expanded structure at all times.</a:t>
             </a:r>
           </a:p>
           <a:p>
@@ -1381,11 +1413,7 @@
             </a:pPr>
             <a:r>
               <a:rPr lang="en-GB" baseline="0" dirty="0" smtClean="0"/>
-              <a:t>Specifically mention UUIDs -- means </a:t>
-            </a:r>
-            <a:r>
-              <a:rPr lang="en-GB" baseline="0" dirty="0" smtClean="0"/>
-              <a:t>this is not lexically fragile.</a:t>
+              <a:t>Specifically mention UUIDs -- means this is not lexically fragile.</a:t>
             </a:r>
           </a:p>
           <a:p>
@@ -1503,19 +1531,11 @@
             <a:pPr algn="l"/>
             <a:r>
               <a:rPr lang="en-GB" dirty="0" smtClean="0"/>
-              <a:t>Explain </a:t>
-            </a:r>
-            <a:r>
-              <a:rPr lang="en-GB" dirty="0" smtClean="0"/>
-              <a:t>how this adds</a:t>
+              <a:t>Explain how this adds</a:t>
             </a:r>
             <a:r>
               <a:rPr lang="en-GB" baseline="0" dirty="0" smtClean="0"/>
-              <a:t> replacement to the existing reuse/resemblance concept... Gives evolutions rather than just reuse</a:t>
-            </a:r>
-            <a:r>
-              <a:rPr lang="en-GB" baseline="0" dirty="0" smtClean="0"/>
-              <a:t>.</a:t>
+              <a:t> replacement to the existing reuse/resemblance concept... Gives evolutions rather than just reuse.</a:t>
             </a:r>
           </a:p>
           <a:p>
@@ -2109,6 +2129,76 @@
           </a:bodyPr>
           <a:lstStyle/>
           <a:p>
+            <a:pPr marL="0" marR="0" indent="0" algn="l" defTabSz="914400" rtl="0" eaLnBrk="1" fontAlgn="auto" latinLnBrk="0" hangingPunct="1">
+              <a:lnSpc>
+                <a:spcPct val="100000"/>
+              </a:lnSpc>
+              <a:spcBef>
+                <a:spcPts val="0"/>
+              </a:spcBef>
+              <a:spcAft>
+                <a:spcPts val="0"/>
+              </a:spcAft>
+              <a:buClrTx/>
+              <a:buSzTx/>
+              <a:buFontTx/>
+              <a:buNone/>
+              <a:tabLst/>
+              <a:defRPr/>
+            </a:pPr>
+            <a:r>
+              <a:rPr lang="en-GB" sz="1200" dirty="0" smtClean="0"/>
+              <a:t>Actual research question:</a:t>
+            </a:r>
+          </a:p>
+          <a:p>
+            <a:pPr marL="0" marR="0" indent="0" algn="l" defTabSz="914400" rtl="0" eaLnBrk="1" fontAlgn="auto" latinLnBrk="0" hangingPunct="1">
+              <a:lnSpc>
+                <a:spcPct val="100000"/>
+              </a:lnSpc>
+              <a:spcBef>
+                <a:spcPts val="0"/>
+              </a:spcBef>
+              <a:spcAft>
+                <a:spcPts val="0"/>
+              </a:spcAft>
+              <a:buClrTx/>
+              <a:buSzTx/>
+              <a:buFontTx/>
+              <a:buNone/>
+              <a:tabLst/>
+              <a:defRPr/>
+            </a:pPr>
+            <a:endParaRPr lang="en-GB" sz="1200" smtClean="0"/>
+          </a:p>
+          <a:p>
+            <a:pPr marL="0" marR="0" indent="0" algn="l" defTabSz="914400" rtl="0" eaLnBrk="1" fontAlgn="auto" latinLnBrk="0" hangingPunct="1">
+              <a:lnSpc>
+                <a:spcPct val="100000"/>
+              </a:lnSpc>
+              <a:spcBef>
+                <a:spcPts val="0"/>
+              </a:spcBef>
+              <a:spcAft>
+                <a:spcPts val="0"/>
+              </a:spcAft>
+              <a:buClrTx/>
+              <a:buSzTx/>
+              <a:buFontTx/>
+              <a:buNone/>
+              <a:tabLst/>
+              <a:defRPr/>
+            </a:pPr>
+            <a:r>
+              <a:rPr lang="en-GB" sz="1200" smtClean="0"/>
+              <a:t>Can </a:t>
+            </a:r>
+            <a:r>
+              <a:rPr lang="en-GB" sz="1200" dirty="0" smtClean="0"/>
+              <a:t>we devise an architectural approach to software that naturally builds extensibility into a system as it is constructed, which also respects the underlying forces and constraints between extension and base application developers?</a:t>
+            </a:r>
+          </a:p>
+          <a:p>
             <a:endParaRPr lang="en-GB" dirty="0"/>
           </a:p>
         </p:txBody>
@@ -2314,11 +2404,11 @@
           <a:p>
             <a:r>
               <a:rPr lang="en-GB" baseline="0" dirty="0" smtClean="0"/>
-              <a:t>	- version control can be treated orthogonally (</a:t>
-            </a:r>
-            <a:r>
-              <a:rPr lang="en-GB" baseline="0" smtClean="0"/>
-              <a:t>2 axes)</a:t>
+              <a:t>	- version control can be treated orthogonally (2 axes</a:t>
+            </a:r>
+            <a:r>
+              <a:rPr lang="en-GB" baseline="0" dirty="0" smtClean="0"/>
+              <a:t>)</a:t>
             </a:r>
           </a:p>
         </p:txBody>
@@ -2435,8 +2525,40 @@
             </a:r>
             <a:r>
               <a:rPr lang="en-GB" baseline="0" dirty="0" smtClean="0"/>
-              <a:t> from code</a:t>
-            </a:r>
+              <a:t> from </a:t>
+            </a:r>
+            <a:r>
+              <a:rPr lang="en-GB" baseline="0" dirty="0" smtClean="0"/>
+              <a:t>code</a:t>
+            </a:r>
+          </a:p>
+          <a:p>
+            <a:endParaRPr lang="en-GB" baseline="0" dirty="0" smtClean="0"/>
+          </a:p>
+          <a:p>
+            <a:pPr marL="0" marR="0" indent="0" algn="l" defTabSz="914400" rtl="0" eaLnBrk="1" fontAlgn="auto" latinLnBrk="0" hangingPunct="1">
+              <a:lnSpc>
+                <a:spcPct val="100000"/>
+              </a:lnSpc>
+              <a:spcBef>
+                <a:spcPts val="0"/>
+              </a:spcBef>
+              <a:spcAft>
+                <a:spcPts val="0"/>
+              </a:spcAft>
+              <a:buClrTx/>
+              <a:buSzTx/>
+              <a:buFontTx/>
+              <a:buNone/>
+              <a:tabLst/>
+              <a:defRPr/>
+            </a:pPr>
+            <a:r>
+              <a:rPr lang="en-GB" baseline="0" dirty="0" smtClean="0"/>
+              <a:t>Challenges: difficult to educate developers; why handle the learning complexity? How to make it compelling?  Not a complexity thing – consider how much complexity J2EE/EJB developers have coped with...  Is it a hype thing?</a:t>
+            </a:r>
+          </a:p>
+          <a:p>
             <a:endParaRPr lang="en-GB" dirty="0" smtClean="0"/>
           </a:p>
           <a:p>
@@ -3555,7 +3677,7 @@
             <a:fld id="{80205730-B28B-4293-938B-A508842901A8}" type="datetimeFigureOut">
               <a:rPr lang="en-US" smtClean="0"/>
               <a:pPr/>
-              <a:t>2/1/2011</a:t>
+              <a:t>2/2/2011</a:t>
             </a:fld>
             <a:endParaRPr lang="en-GB"/>
           </a:p>
@@ -3747,7 +3869,7 @@
             <a:fld id="{80205730-B28B-4293-938B-A508842901A8}" type="datetimeFigureOut">
               <a:rPr lang="en-US" smtClean="0"/>
               <a:pPr/>
-              <a:t>2/1/2011</a:t>
+              <a:t>2/2/2011</a:t>
             </a:fld>
             <a:endParaRPr lang="en-GB"/>
           </a:p>
@@ -4158,7 +4280,7 @@
             <a:fld id="{80205730-B28B-4293-938B-A508842901A8}" type="datetimeFigureOut">
               <a:rPr lang="en-US" smtClean="0"/>
               <a:pPr/>
-              <a:t>2/1/2011</a:t>
+              <a:t>2/2/2011</a:t>
             </a:fld>
             <a:endParaRPr lang="en-GB"/>
           </a:p>
@@ -4439,7 +4561,7 @@
             <a:fld id="{80205730-B28B-4293-938B-A508842901A8}" type="datetimeFigureOut">
               <a:rPr lang="en-US" smtClean="0"/>
               <a:pPr/>
-              <a:t>2/1/2011</a:t>
+              <a:t>2/2/2011</a:t>
             </a:fld>
             <a:endParaRPr lang="en-GB"/>
           </a:p>
@@ -4834,7 +4956,7 @@
             <a:fld id="{80205730-B28B-4293-938B-A508842901A8}" type="datetimeFigureOut">
               <a:rPr lang="en-US" smtClean="0"/>
               <a:pPr/>
-              <a:t>2/1/2011</a:t>
+              <a:t>2/2/2011</a:t>
             </a:fld>
             <a:endParaRPr lang="en-GB"/>
           </a:p>
@@ -5001,7 +5123,7 @@
             <a:fld id="{80205730-B28B-4293-938B-A508842901A8}" type="datetimeFigureOut">
               <a:rPr lang="en-US" smtClean="0"/>
               <a:pPr/>
-              <a:t>2/1/2011</a:t>
+              <a:t>2/2/2011</a:t>
             </a:fld>
             <a:endParaRPr lang="en-GB"/>
           </a:p>
@@ -5108,7 +5230,7 @@
             <a:fld id="{80205730-B28B-4293-938B-A508842901A8}" type="datetimeFigureOut">
               <a:rPr lang="en-US" smtClean="0"/>
               <a:pPr/>
-              <a:t>2/1/2011</a:t>
+              <a:t>2/2/2011</a:t>
             </a:fld>
             <a:endParaRPr lang="en-GB"/>
           </a:p>
@@ -5386,7 +5508,7 @@
             <a:fld id="{80205730-B28B-4293-938B-A508842901A8}" type="datetimeFigureOut">
               <a:rPr lang="en-US" smtClean="0"/>
               <a:pPr/>
-              <a:t>2/1/2011</a:t>
+              <a:t>2/2/2011</a:t>
             </a:fld>
             <a:endParaRPr lang="en-GB"/>
           </a:p>
@@ -5691,7 +5813,7 @@
             <a:fld id="{80205730-B28B-4293-938B-A508842901A8}" type="datetimeFigureOut">
               <a:rPr lang="en-US" smtClean="0"/>
               <a:pPr/>
-              <a:t>2/1/2011</a:t>
+              <a:t>2/2/2011</a:t>
             </a:fld>
             <a:endParaRPr lang="en-GB"/>
           </a:p>
@@ -13944,13 +14066,8 @@
             <a:p>
               <a:r>
                 <a:rPr lang="en-GB" sz="2400" dirty="0" smtClean="0"/>
-                <a:t>Like an advanced form of structural inheritance... </a:t>
+                <a:t>Like an advanced form of structural inheritance... [SGW94]</a:t>
               </a:r>
-              <a:r>
-                <a:rPr lang="en-GB" sz="2400" dirty="0" smtClean="0"/>
-                <a:t>[SGW94]</a:t>
-              </a:r>
-              <a:endParaRPr lang="en-GB" sz="2400" dirty="0" smtClean="0"/>
             </a:p>
           </p:txBody>
         </p:sp>
@@ -14082,15 +14199,7 @@
           <a:p>
             <a:r>
               <a:rPr lang="en-GB" dirty="0" smtClean="0"/>
-              <a:t>Concept </a:t>
-            </a:r>
-            <a:r>
-              <a:rPr lang="en-GB" dirty="0" smtClean="0"/>
-              <a:t>3: </a:t>
-            </a:r>
-            <a:r>
-              <a:rPr lang="en-GB" dirty="0" smtClean="0"/>
-              <a:t>Evolution =</a:t>
+              <a:t>Concept 3: Evolution =</a:t>
             </a:r>
             <a:br>
               <a:rPr lang="en-GB" dirty="0" smtClean="0"/>
@@ -14282,17 +14391,12 @@
           <a:p>
             <a:r>
               <a:rPr lang="en-GB" sz="2200" dirty="0" smtClean="0"/>
-              <a:t>         resembles </a:t>
-            </a:r>
-            <a:r>
-              <a:rPr lang="en-GB" sz="2200" dirty="0" smtClean="0"/>
-              <a:t>Desk </a:t>
+              <a:t>         resembles Desk </a:t>
             </a:r>
             <a:r>
               <a:rPr lang="en-GB" sz="2200" b="1" i="1" dirty="0" smtClean="0"/>
               <a:t>replaces Desk</a:t>
             </a:r>
-            <a:endParaRPr lang="en-GB" sz="2200" b="1" i="1" dirty="0" smtClean="0"/>
           </a:p>
           <a:p>
             <a:r>
@@ -16059,11 +16163,7 @@
           <a:p>
             <a:r>
               <a:rPr lang="en-GB" dirty="0" smtClean="0"/>
-              <a:t>Revisiting the extension </a:t>
-            </a:r>
-            <a:r>
-              <a:rPr lang="en-GB" dirty="0" smtClean="0"/>
-              <a:t>scenario</a:t>
+              <a:t>Revisiting the extension scenario</a:t>
             </a:r>
             <a:endParaRPr lang="en-GB" dirty="0"/>
           </a:p>
@@ -20121,27 +20221,25 @@
         <p:spPr/>
         <p:txBody>
           <a:bodyPr>
-            <a:normAutofit fontScale="85000" lnSpcReduction="20000"/>
+            <a:normAutofit fontScale="92500" lnSpcReduction="20000"/>
           </a:bodyPr>
           <a:lstStyle/>
           <a:p>
             <a:r>
               <a:rPr lang="en-GB" dirty="0" smtClean="0"/>
-              <a:t>Architectural focus</a:t>
-            </a:r>
+              <a:t>Architecture / structure is always explicit</a:t>
+            </a:r>
+            <a:endParaRPr lang="en-GB" dirty="0" smtClean="0"/>
           </a:p>
           <a:p>
             <a:pPr lvl="1"/>
             <a:r>
               <a:rPr lang="en-GB" dirty="0" smtClean="0"/>
-              <a:t>System structure is always explicit</a:t>
-            </a:r>
-          </a:p>
-          <a:p>
-            <a:pPr lvl="1"/>
+              <a:t>Encodes </a:t>
+            </a:r>
             <a:r>
               <a:rPr lang="en-GB" dirty="0" smtClean="0"/>
-              <a:t>Encodes many best practices</a:t>
+              <a:t>many best practices</a:t>
             </a:r>
           </a:p>
           <a:p>
@@ -20151,8 +20249,13 @@
           <a:p>
             <a:r>
               <a:rPr lang="en-GB" dirty="0" smtClean="0"/>
-              <a:t>Creation and extension are synergistic</a:t>
-            </a:r>
+              <a:t>Creation and extension </a:t>
+            </a:r>
+            <a:r>
+              <a:rPr lang="en-GB" dirty="0" smtClean="0"/>
+              <a:t>help each other</a:t>
+            </a:r>
+            <a:endParaRPr lang="en-GB" dirty="0" smtClean="0"/>
           </a:p>
           <a:p>
             <a:pPr lvl="1"/>
@@ -20175,21 +20278,26 @@
           <a:p>
             <a:r>
               <a:rPr lang="en-GB" dirty="0" smtClean="0"/>
-              <a:t>Integrates reuse and evolution concepts</a:t>
+              <a:t>Unifies reuse </a:t>
+            </a:r>
+            <a:r>
+              <a:rPr lang="en-GB" dirty="0" smtClean="0"/>
+              <a:t>and evolution </a:t>
+            </a:r>
+            <a:r>
+              <a:rPr lang="en-GB" dirty="0" smtClean="0"/>
+              <a:t>concepts at design stage</a:t>
             </a:r>
           </a:p>
           <a:p>
             <a:pPr lvl="1"/>
             <a:r>
               <a:rPr lang="en-GB" dirty="0" smtClean="0"/>
-              <a:t>Slightly “uncanny” feeling</a:t>
-            </a:r>
-          </a:p>
-          <a:p>
-            <a:pPr lvl="1"/>
+              <a:t>Hard </a:t>
+            </a:r>
             <a:r>
               <a:rPr lang="en-GB" dirty="0" smtClean="0"/>
-              <a:t>Hard to “let go” of designing in extension </a:t>
+              <a:t>to “let go” of designing in extension </a:t>
             </a:r>
             <a:r>
               <a:rPr lang="en-GB" dirty="0" smtClean="0"/>
@@ -20198,12 +20306,32 @@
           </a:p>
           <a:p>
             <a:pPr lvl="1"/>
+            <a:r>
+              <a:rPr lang="en-GB" dirty="0" smtClean="0"/>
+              <a:t>Slightly “uncanny” feeling – agile architecture</a:t>
+            </a:r>
+            <a:r>
+              <a:rPr lang="en-GB" dirty="0" smtClean="0"/>
+              <a:t>!</a:t>
+            </a:r>
             <a:endParaRPr lang="en-GB" dirty="0" smtClean="0"/>
           </a:p>
           <a:p>
+            <a:pPr lvl="1"/>
+            <a:endParaRPr lang="en-GB" dirty="0" smtClean="0"/>
+          </a:p>
+          <a:p>
             <a:r>
               <a:rPr lang="en-GB" dirty="0" smtClean="0"/>
-              <a:t>Evolve is a product aimed at industry developers!</a:t>
+              <a:t>Evolve is </a:t>
+            </a:r>
+            <a:r>
+              <a:rPr lang="en-GB" dirty="0" smtClean="0"/>
+              <a:t>aimed </a:t>
+            </a:r>
+            <a:r>
+              <a:rPr lang="en-GB" dirty="0" smtClean="0"/>
+              <a:t>at industry developers!</a:t>
             </a:r>
           </a:p>
           <a:p>
@@ -20214,7 +20342,6 @@
               <a:rPr lang="en-GB" b="1" dirty="0" smtClean="0"/>
               <a:t>	http://www.intrinsarc.com</a:t>
             </a:r>
-            <a:endParaRPr lang="en-GB" b="1" dirty="0" smtClean="0"/>
           </a:p>
           <a:p>
             <a:endParaRPr lang="en-GB" dirty="0" smtClean="0"/>
@@ -20552,11 +20679,7 @@
             </a:r>
             <a:r>
               <a:rPr lang="en-GB" sz="1200" u="sng" dirty="0" smtClean="0"/>
-              <a:t>Reliability, Engineering and System Safety </a:t>
-            </a:r>
-            <a:r>
-              <a:rPr lang="en-GB" sz="1200" u="sng" dirty="0" smtClean="0"/>
-              <a:t>1991</a:t>
+              <a:t>Reliability, Engineering and System Safety 1991</a:t>
             </a:r>
           </a:p>
           <a:p>
@@ -20596,7 +20719,6 @@
               <a:rPr lang="en-GB" sz="1200" u="sng" dirty="0" smtClean="0"/>
               <a:t>John Wiley &amp; Sons, 1994</a:t>
             </a:r>
-            <a:endParaRPr lang="en-GB" sz="1200" u="sng" dirty="0" smtClean="0"/>
           </a:p>
           <a:p>
             <a:r>

--- a/Academic Work/presentations/prague/Evolve - Introduction.pptx
+++ b/Academic Work/presentations/prague/Evolve - Introduction.pptx
@@ -221,7 +221,7 @@
             <a:fld id="{CC899B31-23B7-41FA-A7A8-47EAF8E80A0A}" type="datetimeFigureOut">
               <a:rPr lang="en-US" smtClean="0"/>
               <a:pPr/>
-              <a:t>2/2/2011</a:t>
+              <a:t>2/3/2011</a:t>
             </a:fld>
             <a:endParaRPr lang="en-GB"/>
           </a:p>
@@ -856,8 +856,29 @@
           <a:p>
             <a:r>
               <a:rPr lang="en-GB" dirty="0" smtClean="0"/>
-              <a:t>Explain tie in to Java.</a:t>
-            </a:r>
+              <a:t>Explain tie in to </a:t>
+            </a:r>
+            <a:r>
+              <a:rPr lang="en-GB" dirty="0" smtClean="0"/>
+              <a:t>Java</a:t>
+            </a:r>
+            <a:r>
+              <a:rPr lang="en-GB" baseline="0" dirty="0" smtClean="0"/>
+              <a:t> – each leaf class is a </a:t>
+            </a:r>
+            <a:r>
+              <a:rPr lang="en-GB" baseline="0" dirty="0" err="1" smtClean="0"/>
+              <a:t>JavaBean</a:t>
+            </a:r>
+            <a:r>
+              <a:rPr lang="en-GB" baseline="0" dirty="0" smtClean="0"/>
+              <a:t>!  This is a better way of </a:t>
+            </a:r>
+            <a:r>
+              <a:rPr lang="en-GB" baseline="0" smtClean="0"/>
+              <a:t>joining beans!</a:t>
+            </a:r>
+            <a:endParaRPr lang="en-GB" dirty="0" smtClean="0"/>
           </a:p>
           <a:p>
             <a:r>
@@ -1209,24 +1230,16 @@
             </a:r>
             <a:r>
               <a:rPr lang="en-GB" baseline="0" dirty="0" smtClean="0"/>
-              <a:t> about dependencies </a:t>
-            </a:r>
+              <a:t> about dependencies on other strata.</a:t>
+            </a:r>
+          </a:p>
+          <a:p>
+            <a:endParaRPr lang="en-GB" baseline="0" dirty="0"/>
+          </a:p>
+          <a:p>
             <a:r>
               <a:rPr lang="en-GB" baseline="0" dirty="0" smtClean="0"/>
-              <a:t>on other strata.</a:t>
-            </a:r>
-          </a:p>
-          <a:p>
-            <a:endParaRPr lang="en-GB" baseline="0" dirty="0"/>
-          </a:p>
-          <a:p>
-            <a:r>
-              <a:rPr lang="en-GB" baseline="0" dirty="0" smtClean="0"/>
-              <a:t>Ownership means that others cannot modify it, but can express deltas against it to alter it</a:t>
-            </a:r>
-            <a:r>
-              <a:rPr lang="en-GB" baseline="0" dirty="0" smtClean="0"/>
-              <a:t>.</a:t>
+              <a:t>Ownership means that others cannot modify it, but can express deltas against it to alter it.</a:t>
             </a:r>
           </a:p>
           <a:p>
@@ -2404,11 +2417,7 @@
           <a:p>
             <a:r>
               <a:rPr lang="en-GB" baseline="0" dirty="0" smtClean="0"/>
-              <a:t>	- version control can be treated orthogonally (2 axes</a:t>
-            </a:r>
-            <a:r>
-              <a:rPr lang="en-GB" baseline="0" dirty="0" smtClean="0"/>
-              <a:t>)</a:t>
+              <a:t>	- version control can be treated orthogonally (2 axes)</a:t>
             </a:r>
           </a:p>
         </p:txBody>
@@ -2525,11 +2534,7 @@
             </a:r>
             <a:r>
               <a:rPr lang="en-GB" baseline="0" dirty="0" smtClean="0"/>
-              <a:t> from </a:t>
-            </a:r>
-            <a:r>
-              <a:rPr lang="en-GB" baseline="0" dirty="0" smtClean="0"/>
-              <a:t>code</a:t>
+              <a:t> from code</a:t>
             </a:r>
           </a:p>
           <a:p>
@@ -3677,7 +3682,7 @@
             <a:fld id="{80205730-B28B-4293-938B-A508842901A8}" type="datetimeFigureOut">
               <a:rPr lang="en-US" smtClean="0"/>
               <a:pPr/>
-              <a:t>2/2/2011</a:t>
+              <a:t>2/3/2011</a:t>
             </a:fld>
             <a:endParaRPr lang="en-GB"/>
           </a:p>
@@ -3869,7 +3874,7 @@
             <a:fld id="{80205730-B28B-4293-938B-A508842901A8}" type="datetimeFigureOut">
               <a:rPr lang="en-US" smtClean="0"/>
               <a:pPr/>
-              <a:t>2/2/2011</a:t>
+              <a:t>2/3/2011</a:t>
             </a:fld>
             <a:endParaRPr lang="en-GB"/>
           </a:p>
@@ -4280,7 +4285,7 @@
             <a:fld id="{80205730-B28B-4293-938B-A508842901A8}" type="datetimeFigureOut">
               <a:rPr lang="en-US" smtClean="0"/>
               <a:pPr/>
-              <a:t>2/2/2011</a:t>
+              <a:t>2/3/2011</a:t>
             </a:fld>
             <a:endParaRPr lang="en-GB"/>
           </a:p>
@@ -4561,7 +4566,7 @@
             <a:fld id="{80205730-B28B-4293-938B-A508842901A8}" type="datetimeFigureOut">
               <a:rPr lang="en-US" smtClean="0"/>
               <a:pPr/>
-              <a:t>2/2/2011</a:t>
+              <a:t>2/3/2011</a:t>
             </a:fld>
             <a:endParaRPr lang="en-GB"/>
           </a:p>
@@ -4956,7 +4961,7 @@
             <a:fld id="{80205730-B28B-4293-938B-A508842901A8}" type="datetimeFigureOut">
               <a:rPr lang="en-US" smtClean="0"/>
               <a:pPr/>
-              <a:t>2/2/2011</a:t>
+              <a:t>2/3/2011</a:t>
             </a:fld>
             <a:endParaRPr lang="en-GB"/>
           </a:p>
@@ -5123,7 +5128,7 @@
             <a:fld id="{80205730-B28B-4293-938B-A508842901A8}" type="datetimeFigureOut">
               <a:rPr lang="en-US" smtClean="0"/>
               <a:pPr/>
-              <a:t>2/2/2011</a:t>
+              <a:t>2/3/2011</a:t>
             </a:fld>
             <a:endParaRPr lang="en-GB"/>
           </a:p>
@@ -5230,7 +5235,7 @@
             <a:fld id="{80205730-B28B-4293-938B-A508842901A8}" type="datetimeFigureOut">
               <a:rPr lang="en-US" smtClean="0"/>
               <a:pPr/>
-              <a:t>2/2/2011</a:t>
+              <a:t>2/3/2011</a:t>
             </a:fld>
             <a:endParaRPr lang="en-GB"/>
           </a:p>
@@ -5508,7 +5513,7 @@
             <a:fld id="{80205730-B28B-4293-938B-A508842901A8}" type="datetimeFigureOut">
               <a:rPr lang="en-US" smtClean="0"/>
               <a:pPr/>
-              <a:t>2/2/2011</a:t>
+              <a:t>2/3/2011</a:t>
             </a:fld>
             <a:endParaRPr lang="en-GB"/>
           </a:p>
@@ -5813,7 +5818,7 @@
             <a:fld id="{80205730-B28B-4293-938B-A508842901A8}" type="datetimeFigureOut">
               <a:rPr lang="en-US" smtClean="0"/>
               <a:pPr/>
-              <a:t>2/2/2011</a:t>
+              <a:t>2/3/2011</a:t>
             </a:fld>
             <a:endParaRPr lang="en-GB"/>
           </a:p>
@@ -20229,17 +20234,12 @@
               <a:rPr lang="en-GB" dirty="0" smtClean="0"/>
               <a:t>Architecture / structure is always explicit</a:t>
             </a:r>
-            <a:endParaRPr lang="en-GB" dirty="0" smtClean="0"/>
           </a:p>
           <a:p>
             <a:pPr lvl="1"/>
             <a:r>
               <a:rPr lang="en-GB" dirty="0" smtClean="0"/>
-              <a:t>Encodes </a:t>
-            </a:r>
-            <a:r>
-              <a:rPr lang="en-GB" dirty="0" smtClean="0"/>
-              <a:t>many best practices</a:t>
+              <a:t>Encodes many best practices</a:t>
             </a:r>
           </a:p>
           <a:p>
@@ -20249,13 +20249,8 @@
           <a:p>
             <a:r>
               <a:rPr lang="en-GB" dirty="0" smtClean="0"/>
-              <a:t>Creation and extension </a:t>
-            </a:r>
-            <a:r>
-              <a:rPr lang="en-GB" dirty="0" smtClean="0"/>
-              <a:t>help each other</a:t>
-            </a:r>
-            <a:endParaRPr lang="en-GB" dirty="0" smtClean="0"/>
+              <a:t>Creation and extension help each other</a:t>
+            </a:r>
           </a:p>
           <a:p>
             <a:pPr lvl="1"/>
@@ -20278,43 +20273,22 @@
           <a:p>
             <a:r>
               <a:rPr lang="en-GB" dirty="0" smtClean="0"/>
-              <a:t>Unifies reuse </a:t>
-            </a:r>
+              <a:t>Unifies reuse and evolution concepts at design stage</a:t>
+            </a:r>
+          </a:p>
+          <a:p>
+            <a:pPr lvl="1"/>
             <a:r>
               <a:rPr lang="en-GB" dirty="0" smtClean="0"/>
-              <a:t>and evolution </a:t>
-            </a:r>
+              <a:t>Hard to “let go” of designing in extension points</a:t>
+            </a:r>
+          </a:p>
+          <a:p>
+            <a:pPr lvl="1"/>
             <a:r>
               <a:rPr lang="en-GB" dirty="0" smtClean="0"/>
-              <a:t>concepts at design stage</a:t>
-            </a:r>
-          </a:p>
-          <a:p>
-            <a:pPr lvl="1"/>
-            <a:r>
-              <a:rPr lang="en-GB" dirty="0" smtClean="0"/>
-              <a:t>Hard </a:t>
-            </a:r>
-            <a:r>
-              <a:rPr lang="en-GB" dirty="0" smtClean="0"/>
-              <a:t>to “let go” of designing in extension </a:t>
-            </a:r>
-            <a:r>
-              <a:rPr lang="en-GB" dirty="0" smtClean="0"/>
-              <a:t>points</a:t>
-            </a:r>
-          </a:p>
-          <a:p>
-            <a:pPr lvl="1"/>
-            <a:r>
-              <a:rPr lang="en-GB" dirty="0" smtClean="0"/>
-              <a:t>Slightly “uncanny” feeling – agile architecture</a:t>
-            </a:r>
-            <a:r>
-              <a:rPr lang="en-GB" dirty="0" smtClean="0"/>
-              <a:t>!</a:t>
-            </a:r>
-            <a:endParaRPr lang="en-GB" dirty="0" smtClean="0"/>
+              <a:t>Slightly “uncanny” feeling – agile architecture!</a:t>
+            </a:r>
           </a:p>
           <a:p>
             <a:pPr lvl="1"/>
@@ -20323,15 +20297,7 @@
           <a:p>
             <a:r>
               <a:rPr lang="en-GB" dirty="0" smtClean="0"/>
-              <a:t>Evolve is </a:t>
-            </a:r>
-            <a:r>
-              <a:rPr lang="en-GB" dirty="0" smtClean="0"/>
-              <a:t>aimed </a:t>
-            </a:r>
-            <a:r>
-              <a:rPr lang="en-GB" dirty="0" smtClean="0"/>
-              <a:t>at industry developers!</a:t>
+              <a:t>Evolve is aimed at industry developers!</a:t>
             </a:r>
           </a:p>
           <a:p>

--- a/Academic Work/presentations/prague/Evolve - Introduction.pptx
+++ b/Academic Work/presentations/prague/Evolve - Introduction.pptx
@@ -221,7 +221,7 @@
             <a:fld id="{CC899B31-23B7-41FA-A7A8-47EAF8E80A0A}" type="datetimeFigureOut">
               <a:rPr lang="en-US" smtClean="0"/>
               <a:pPr/>
-              <a:t>2/3/2011</a:t>
+              <a:t>2/8/2011</a:t>
             </a:fld>
             <a:endParaRPr lang="en-GB"/>
           </a:p>
@@ -856,11 +856,7 @@
           <a:p>
             <a:r>
               <a:rPr lang="en-GB" dirty="0" smtClean="0"/>
-              <a:t>Explain tie in to </a:t>
-            </a:r>
-            <a:r>
-              <a:rPr lang="en-GB" dirty="0" smtClean="0"/>
-              <a:t>Java</a:t>
+              <a:t>Explain tie in to Java</a:t>
             </a:r>
             <a:r>
               <a:rPr lang="en-GB" baseline="0" dirty="0" smtClean="0"/>
@@ -3682,7 +3678,7 @@
             <a:fld id="{80205730-B28B-4293-938B-A508842901A8}" type="datetimeFigureOut">
               <a:rPr lang="en-US" smtClean="0"/>
               <a:pPr/>
-              <a:t>2/3/2011</a:t>
+              <a:t>2/8/2011</a:t>
             </a:fld>
             <a:endParaRPr lang="en-GB"/>
           </a:p>
@@ -3874,7 +3870,7 @@
             <a:fld id="{80205730-B28B-4293-938B-A508842901A8}" type="datetimeFigureOut">
               <a:rPr lang="en-US" smtClean="0"/>
               <a:pPr/>
-              <a:t>2/3/2011</a:t>
+              <a:t>2/8/2011</a:t>
             </a:fld>
             <a:endParaRPr lang="en-GB"/>
           </a:p>
@@ -4285,7 +4281,7 @@
             <a:fld id="{80205730-B28B-4293-938B-A508842901A8}" type="datetimeFigureOut">
               <a:rPr lang="en-US" smtClean="0"/>
               <a:pPr/>
-              <a:t>2/3/2011</a:t>
+              <a:t>2/8/2011</a:t>
             </a:fld>
             <a:endParaRPr lang="en-GB"/>
           </a:p>
@@ -4566,7 +4562,7 @@
             <a:fld id="{80205730-B28B-4293-938B-A508842901A8}" type="datetimeFigureOut">
               <a:rPr lang="en-US" smtClean="0"/>
               <a:pPr/>
-              <a:t>2/3/2011</a:t>
+              <a:t>2/8/2011</a:t>
             </a:fld>
             <a:endParaRPr lang="en-GB"/>
           </a:p>
@@ -4961,7 +4957,7 @@
             <a:fld id="{80205730-B28B-4293-938B-A508842901A8}" type="datetimeFigureOut">
               <a:rPr lang="en-US" smtClean="0"/>
               <a:pPr/>
-              <a:t>2/3/2011</a:t>
+              <a:t>2/8/2011</a:t>
             </a:fld>
             <a:endParaRPr lang="en-GB"/>
           </a:p>
@@ -5128,7 +5124,7 @@
             <a:fld id="{80205730-B28B-4293-938B-A508842901A8}" type="datetimeFigureOut">
               <a:rPr lang="en-US" smtClean="0"/>
               <a:pPr/>
-              <a:t>2/3/2011</a:t>
+              <a:t>2/8/2011</a:t>
             </a:fld>
             <a:endParaRPr lang="en-GB"/>
           </a:p>
@@ -5235,7 +5231,7 @@
             <a:fld id="{80205730-B28B-4293-938B-A508842901A8}" type="datetimeFigureOut">
               <a:rPr lang="en-US" smtClean="0"/>
               <a:pPr/>
-              <a:t>2/3/2011</a:t>
+              <a:t>2/8/2011</a:t>
             </a:fld>
             <a:endParaRPr lang="en-GB"/>
           </a:p>
@@ -5513,7 +5509,7 @@
             <a:fld id="{80205730-B28B-4293-938B-A508842901A8}" type="datetimeFigureOut">
               <a:rPr lang="en-US" smtClean="0"/>
               <a:pPr/>
-              <a:t>2/3/2011</a:t>
+              <a:t>2/8/2011</a:t>
             </a:fld>
             <a:endParaRPr lang="en-GB"/>
           </a:p>
@@ -5818,7 +5814,7 @@
             <a:fld id="{80205730-B28B-4293-938B-A508842901A8}" type="datetimeFigureOut">
               <a:rPr lang="en-US" smtClean="0"/>
               <a:pPr/>
-              <a:t>2/3/2011</a:t>
+              <a:t>2/8/2011</a:t>
             </a:fld>
             <a:endParaRPr lang="en-GB"/>
           </a:p>
@@ -7037,8 +7033,8 @@
         </p:nvSpPr>
         <p:spPr>
           <a:xfrm>
-            <a:off x="214282" y="5000636"/>
-            <a:ext cx="2786082" cy="1200329"/>
+            <a:off x="214282" y="4737754"/>
+            <a:ext cx="2786082" cy="1477328"/>
           </a:xfrm>
           <a:prstGeom prst="rect">
             <a:avLst/>
@@ -7052,20 +7048,12 @@
           <a:lstStyle/>
           <a:p>
             <a:r>
-              <a:rPr lang="en-GB" smtClean="0">
-                <a:solidFill>
-                  <a:schemeClr val="bg1"/>
-                </a:solidFill>
-              </a:rPr>
-              <a:t>Andrew </a:t>
-            </a:r>
-            <a:r>
               <a:rPr lang="en-GB" dirty="0" smtClean="0">
                 <a:solidFill>
                   <a:schemeClr val="bg1"/>
                 </a:solidFill>
               </a:rPr>
-              <a:t>McVeigh</a:t>
+              <a:t>Andrew McVeigh</a:t>
             </a:r>
           </a:p>
           <a:p>
@@ -7095,7 +7083,25 @@
                   <a:schemeClr val="bg1"/>
                 </a:solidFill>
               </a:rPr>
-              <a:t>Imperial College, London</a:t>
+              <a:t>Imperial College, </a:t>
+            </a:r>
+            <a:r>
+              <a:rPr lang="en-GB" b="1" dirty="0" smtClean="0">
+                <a:solidFill>
+                  <a:schemeClr val="bg1"/>
+                </a:solidFill>
+              </a:rPr>
+              <a:t>London</a:t>
+            </a:r>
+          </a:p>
+          <a:p>
+            <a:r>
+              <a:rPr lang="en-GB" b="1" dirty="0" smtClean="0">
+                <a:solidFill>
+                  <a:schemeClr val="bg1"/>
+                </a:solidFill>
+              </a:rPr>
+              <a:t>February 2011</a:t>
             </a:r>
             <a:endParaRPr lang="en-GB" b="1" dirty="0">
               <a:solidFill>

--- a/Academic Work/presentations/prague/Evolve - Introduction.pptx
+++ b/Academic Work/presentations/prague/Evolve - Introduction.pptx
@@ -221,7 +221,7 @@
             <a:fld id="{CC899B31-23B7-41FA-A7A8-47EAF8E80A0A}" type="datetimeFigureOut">
               <a:rPr lang="en-US" smtClean="0"/>
               <a:pPr/>
-              <a:t>2/8/2011</a:t>
+              <a:t>2/9/2011</a:t>
             </a:fld>
             <a:endParaRPr lang="en-GB"/>
           </a:p>
@@ -3678,7 +3678,7 @@
             <a:fld id="{80205730-B28B-4293-938B-A508842901A8}" type="datetimeFigureOut">
               <a:rPr lang="en-US" smtClean="0"/>
               <a:pPr/>
-              <a:t>2/8/2011</a:t>
+              <a:t>2/9/2011</a:t>
             </a:fld>
             <a:endParaRPr lang="en-GB"/>
           </a:p>
@@ -3870,7 +3870,7 @@
             <a:fld id="{80205730-B28B-4293-938B-A508842901A8}" type="datetimeFigureOut">
               <a:rPr lang="en-US" smtClean="0"/>
               <a:pPr/>
-              <a:t>2/8/2011</a:t>
+              <a:t>2/9/2011</a:t>
             </a:fld>
             <a:endParaRPr lang="en-GB"/>
           </a:p>
@@ -4281,7 +4281,7 @@
             <a:fld id="{80205730-B28B-4293-938B-A508842901A8}" type="datetimeFigureOut">
               <a:rPr lang="en-US" smtClean="0"/>
               <a:pPr/>
-              <a:t>2/8/2011</a:t>
+              <a:t>2/9/2011</a:t>
             </a:fld>
             <a:endParaRPr lang="en-GB"/>
           </a:p>
@@ -4562,7 +4562,7 @@
             <a:fld id="{80205730-B28B-4293-938B-A508842901A8}" type="datetimeFigureOut">
               <a:rPr lang="en-US" smtClean="0"/>
               <a:pPr/>
-              <a:t>2/8/2011</a:t>
+              <a:t>2/9/2011</a:t>
             </a:fld>
             <a:endParaRPr lang="en-GB"/>
           </a:p>
@@ -4957,7 +4957,7 @@
             <a:fld id="{80205730-B28B-4293-938B-A508842901A8}" type="datetimeFigureOut">
               <a:rPr lang="en-US" smtClean="0"/>
               <a:pPr/>
-              <a:t>2/8/2011</a:t>
+              <a:t>2/9/2011</a:t>
             </a:fld>
             <a:endParaRPr lang="en-GB"/>
           </a:p>
@@ -5124,7 +5124,7 @@
             <a:fld id="{80205730-B28B-4293-938B-A508842901A8}" type="datetimeFigureOut">
               <a:rPr lang="en-US" smtClean="0"/>
               <a:pPr/>
-              <a:t>2/8/2011</a:t>
+              <a:t>2/9/2011</a:t>
             </a:fld>
             <a:endParaRPr lang="en-GB"/>
           </a:p>
@@ -5231,7 +5231,7 @@
             <a:fld id="{80205730-B28B-4293-938B-A508842901A8}" type="datetimeFigureOut">
               <a:rPr lang="en-US" smtClean="0"/>
               <a:pPr/>
-              <a:t>2/8/2011</a:t>
+              <a:t>2/9/2011</a:t>
             </a:fld>
             <a:endParaRPr lang="en-GB"/>
           </a:p>
@@ -5509,7 +5509,7 @@
             <a:fld id="{80205730-B28B-4293-938B-A508842901A8}" type="datetimeFigureOut">
               <a:rPr lang="en-US" smtClean="0"/>
               <a:pPr/>
-              <a:t>2/8/2011</a:t>
+              <a:t>2/9/2011</a:t>
             </a:fld>
             <a:endParaRPr lang="en-GB"/>
           </a:p>
@@ -5814,7 +5814,7 @@
             <a:fld id="{80205730-B28B-4293-938B-A508842901A8}" type="datetimeFigureOut">
               <a:rPr lang="en-US" smtClean="0"/>
               <a:pPr/>
-              <a:t>2/8/2011</a:t>
+              <a:t>2/9/2011</a:t>
             </a:fld>
             <a:endParaRPr lang="en-GB"/>
           </a:p>
@@ -7083,15 +7083,7 @@
                   <a:schemeClr val="bg1"/>
                 </a:solidFill>
               </a:rPr>
-              <a:t>Imperial College, </a:t>
-            </a:r>
-            <a:r>
-              <a:rPr lang="en-GB" b="1" dirty="0" smtClean="0">
-                <a:solidFill>
-                  <a:schemeClr val="bg1"/>
-                </a:solidFill>
-              </a:rPr>
-              <a:t>London</a:t>
+              <a:t>Imperial College, London</a:t>
             </a:r>
           </a:p>
           <a:p>
@@ -10118,7 +10110,7 @@
           <a:p>
             <a:r>
               <a:rPr lang="en-GB" sz="2200" dirty="0" smtClean="0"/>
-              <a:t> </a:t>
+              <a:t>     </a:t>
             </a:r>
             <a:r>
               <a:rPr lang="en-GB" sz="2200" b="1" dirty="0" smtClean="0"/>
@@ -10126,8 +10118,13 @@
             </a:r>
             <a:r>
               <a:rPr lang="en-GB" sz="2200" dirty="0" smtClean="0"/>
-              <a:t> Mixer {</a:t>
-            </a:r>
+              <a:t> </a:t>
+            </a:r>
+            <a:r>
+              <a:rPr lang="en-GB" sz="2200" dirty="0" smtClean="0"/>
+              <a:t>Desk  {</a:t>
+            </a:r>
+            <a:endParaRPr lang="en-GB" sz="2200" dirty="0" smtClean="0"/>
           </a:p>
           <a:p>
             <a:r>
@@ -10136,17 +10133,33 @@
             </a:r>
             <a:r>
               <a:rPr lang="en-GB" sz="2200" b="1" dirty="0" smtClean="0"/>
-              <a:t>attributes</a:t>
-            </a:r>
+              <a:t>ports:</a:t>
+            </a:r>
+          </a:p>
+          <a:p>
             <a:r>
               <a:rPr lang="en-GB" sz="2200" dirty="0" smtClean="0"/>
-              <a:t>:</a:t>
+              <a:t>            out;</a:t>
             </a:r>
           </a:p>
           <a:p>
             <a:r>
               <a:rPr lang="en-GB" sz="2200" dirty="0" smtClean="0"/>
-              <a:t>            </a:t>
+              <a:t>        </a:t>
+            </a:r>
+            <a:r>
+              <a:rPr lang="en-GB" sz="2200" b="1" dirty="0" smtClean="0"/>
+              <a:t>parts:</a:t>
+            </a:r>
+          </a:p>
+          <a:p>
+            <a:r>
+              <a:rPr lang="en-GB" sz="2200" dirty="0" smtClean="0"/>
+              <a:t>            m: </a:t>
+            </a:r>
+            <a:r>
+              <a:rPr lang="en-GB" sz="2200" dirty="0" smtClean="0"/>
+              <a:t>Mixer   </a:t>
             </a:r>
             <a:r>
               <a:rPr lang="en-GB" sz="2200" dirty="0" err="1" smtClean="0"/>
@@ -10154,15 +10167,53 @@
             </a:r>
             <a:r>
               <a:rPr lang="en-GB" sz="2200" dirty="0" smtClean="0"/>
-              <a:t>: </a:t>
+              <a:t> </a:t>
+            </a:r>
+            <a:r>
+              <a:rPr lang="en-GB" sz="2200" dirty="0" smtClean="0"/>
+              <a:t>= 100;</a:t>
+            </a:r>
+          </a:p>
+          <a:p>
+            <a:r>
+              <a:rPr lang="en-GB" sz="2200" dirty="0" smtClean="0"/>
+              <a:t>            dc: </a:t>
             </a:r>
             <a:r>
               <a:rPr lang="en-GB" sz="2200" dirty="0" err="1" smtClean="0"/>
-              <a:t>int</a:t>
+              <a:t>DeviceController</a:t>
             </a:r>
             <a:r>
               <a:rPr lang="en-GB" sz="2200" dirty="0" smtClean="0"/>
-              <a:t> = 100;</a:t>
+              <a:t>;</a:t>
+            </a:r>
+          </a:p>
+          <a:p>
+            <a:r>
+              <a:rPr lang="en-GB" sz="2200" dirty="0" smtClean="0"/>
+              <a:t>            m1: </a:t>
+            </a:r>
+            <a:r>
+              <a:rPr lang="en-GB" sz="2200" dirty="0" err="1" smtClean="0"/>
+              <a:t>MicDevice</a:t>
+            </a:r>
+            <a:r>
+              <a:rPr lang="en-GB" sz="2200" dirty="0" smtClean="0"/>
+              <a:t>;</a:t>
+            </a:r>
+          </a:p>
+          <a:p>
+            <a:r>
+              <a:rPr lang="en-GB" sz="2200" dirty="0" smtClean="0"/>
+              <a:t>            m2: </a:t>
+            </a:r>
+            <a:r>
+              <a:rPr lang="en-GB" sz="2200" dirty="0" err="1" smtClean="0"/>
+              <a:t>MicDevice</a:t>
+            </a:r>
+            <a:r>
+              <a:rPr lang="en-GB" sz="2200" dirty="0" smtClean="0"/>
+              <a:t>;</a:t>
             </a:r>
           </a:p>
           <a:p>
@@ -10172,119 +10223,31 @@
             </a:r>
             <a:r>
               <a:rPr lang="en-GB" sz="2200" b="1" dirty="0" smtClean="0"/>
-              <a:t>ports</a:t>
-            </a:r>
+              <a:t>connectors:</a:t>
+            </a:r>
+          </a:p>
+          <a:p>
             <a:r>
               <a:rPr lang="en-GB" sz="2200" dirty="0" smtClean="0"/>
-              <a:t>:</a:t>
-            </a:r>
-          </a:p>
-          <a:p>
+              <a:t>            desk1 joins </a:t>
+            </a:r>
+            <a:r>
+              <a:rPr lang="en-GB" sz="2200" dirty="0" err="1" smtClean="0"/>
+              <a:t>output@m</a:t>
+            </a:r>
             <a:r>
               <a:rPr lang="en-GB" sz="2200" dirty="0" smtClean="0"/>
-              <a:t>            input;</a:t>
+              <a:t> to out;</a:t>
             </a:r>
           </a:p>
           <a:p>
             <a:r>
               <a:rPr lang="en-GB" sz="2200" dirty="0" smtClean="0"/>
-              <a:t>            output;</a:t>
-            </a:r>
-          </a:p>
-          <a:p>
-            <a:r>
-              <a:rPr lang="en-GB" sz="2200" dirty="0" smtClean="0"/>
-              <a:t>        </a:t>
-            </a:r>
-            <a:r>
-              <a:rPr lang="en-GB" sz="2200" b="1" dirty="0" smtClean="0"/>
-              <a:t>parts</a:t>
-            </a:r>
-            <a:r>
-              <a:rPr lang="en-GB" sz="2200" dirty="0" smtClean="0"/>
-              <a:t>:</a:t>
-            </a:r>
-          </a:p>
-          <a:p>
-            <a:r>
-              <a:rPr lang="en-GB" sz="2200" dirty="0" smtClean="0"/>
-              <a:t>            c: Combiner</a:t>
-            </a:r>
-          </a:p>
-          <a:p>
-            <a:r>
-              <a:rPr lang="en-GB" sz="2200" dirty="0" smtClean="0"/>
-              <a:t>                </a:t>
-            </a:r>
-            <a:r>
-              <a:rPr lang="en-GB" sz="2200" b="1" dirty="0" smtClean="0"/>
-              <a:t>set</a:t>
-            </a:r>
-            <a:r>
-              <a:rPr lang="en-GB" sz="2200" dirty="0" smtClean="0"/>
-              <a:t> volume (</a:t>
+              <a:t>            desk2 joins audio@m1 to </a:t>
             </a:r>
             <a:r>
               <a:rPr lang="en-GB" sz="2200" dirty="0" err="1" smtClean="0"/>
-              <a:t>mixerVolume</a:t>
-            </a:r>
-            <a:r>
-              <a:rPr lang="en-GB" sz="2200" dirty="0" smtClean="0"/>
-              <a:t>);</a:t>
-            </a:r>
-          </a:p>
-          <a:p>
-            <a:r>
-              <a:rPr lang="en-GB" sz="2200" dirty="0" smtClean="0"/>
-              <a:t>            e: Equaliser;</a:t>
-            </a:r>
-          </a:p>
-          <a:p>
-            <a:r>
-              <a:rPr lang="en-GB" sz="2200" dirty="0" smtClean="0"/>
-              <a:t>        </a:t>
-            </a:r>
-            <a:r>
-              <a:rPr lang="en-GB" sz="2200" b="1" dirty="0" smtClean="0"/>
-              <a:t>connectors</a:t>
-            </a:r>
-            <a:r>
-              <a:rPr lang="en-GB" sz="2200" dirty="0" smtClean="0"/>
-              <a:t>:</a:t>
-            </a:r>
-          </a:p>
-          <a:p>
-            <a:r>
-              <a:rPr lang="en-GB" sz="2200" dirty="0" smtClean="0"/>
-              <a:t>            mixer1 </a:t>
-            </a:r>
-            <a:r>
-              <a:rPr lang="en-GB" sz="2200" b="1" dirty="0" smtClean="0"/>
-              <a:t>joins</a:t>
-            </a:r>
-            <a:r>
-              <a:rPr lang="en-GB" sz="2200" dirty="0" smtClean="0"/>
-              <a:t> </a:t>
-            </a:r>
-            <a:r>
-              <a:rPr lang="en-GB" sz="2200" dirty="0" err="1" smtClean="0"/>
-              <a:t>out@c</a:t>
-            </a:r>
-            <a:r>
-              <a:rPr lang="en-GB" sz="2200" dirty="0" smtClean="0"/>
-              <a:t> </a:t>
-            </a:r>
-            <a:r>
-              <a:rPr lang="en-GB" sz="2200" b="1" dirty="0" smtClean="0"/>
-              <a:t>to</a:t>
-            </a:r>
-            <a:r>
-              <a:rPr lang="en-GB" sz="2200" dirty="0" smtClean="0"/>
-              <a:t> </a:t>
-            </a:r>
-            <a:r>
-              <a:rPr lang="en-GB" sz="2200" dirty="0" err="1" smtClean="0"/>
-              <a:t>eqIn@e</a:t>
+              <a:t>input@m</a:t>
             </a:r>
             <a:r>
               <a:rPr lang="en-GB" sz="2200" dirty="0" smtClean="0"/>
@@ -10294,59 +10257,45 @@
           <a:p>
             <a:r>
               <a:rPr lang="en-GB" sz="2200" dirty="0" smtClean="0"/>
-              <a:t>            mixer2 </a:t>
-            </a:r>
-            <a:r>
-              <a:rPr lang="en-GB" sz="2200" b="1" dirty="0" smtClean="0"/>
-              <a:t>joins</a:t>
+              <a:t>            desk3 joins control@m1 to </a:t>
+            </a:r>
+            <a:r>
+              <a:rPr lang="en-GB" sz="2200" dirty="0" err="1" smtClean="0"/>
+              <a:t>controllers@dc</a:t>
             </a:r>
             <a:r>
               <a:rPr lang="en-GB" sz="2200" dirty="0" smtClean="0"/>
-              <a:t> </a:t>
+              <a:t>;</a:t>
+            </a:r>
+          </a:p>
+          <a:p>
+            <a:r>
+              <a:rPr lang="en-GB" sz="2200" dirty="0" smtClean="0"/>
+              <a:t>            desk4 joins control@m2 to </a:t>
             </a:r>
             <a:r>
               <a:rPr lang="en-GB" sz="2200" dirty="0" err="1" smtClean="0"/>
-              <a:t>eqOut@e</a:t>
+              <a:t>controllers@dc</a:t>
             </a:r>
             <a:r>
               <a:rPr lang="en-GB" sz="2200" dirty="0" smtClean="0"/>
-              <a:t> </a:t>
-            </a:r>
-            <a:r>
-              <a:rPr lang="en-GB" sz="2200" b="1" dirty="0" smtClean="0"/>
-              <a:t>to</a:t>
-            </a:r>
+              <a:t>;</a:t>
+            </a:r>
+          </a:p>
+          <a:p>
             <a:r>
               <a:rPr lang="en-GB" sz="2200" dirty="0" smtClean="0"/>
-              <a:t> output;</a:t>
-            </a:r>
-          </a:p>
-          <a:p>
+              <a:t>            desk5 joins audio@m2 to </a:t>
+            </a:r>
+            <a:r>
+              <a:rPr lang="en-GB" sz="2200" dirty="0" err="1" smtClean="0"/>
+              <a:t>input@m</a:t>
+            </a:r>
             <a:r>
               <a:rPr lang="en-GB" sz="2200" dirty="0" smtClean="0"/>
-              <a:t>            d </a:t>
-            </a:r>
-            <a:r>
-              <a:rPr lang="en-GB" sz="2200" b="1" dirty="0" smtClean="0"/>
-              <a:t>delegates-from </a:t>
-            </a:r>
-            <a:r>
-              <a:rPr lang="en-GB" sz="2200" dirty="0" err="1" smtClean="0"/>
-              <a:t>in@c</a:t>
-            </a:r>
-            <a:r>
-              <a:rPr lang="en-GB" sz="2200" dirty="0" smtClean="0"/>
-              <a:t> </a:t>
-            </a:r>
-            <a:r>
-              <a:rPr lang="en-GB" sz="2200" b="1" dirty="0" smtClean="0"/>
-              <a:t>to</a:t>
-            </a:r>
-            <a:r>
-              <a:rPr lang="en-GB" sz="2200" dirty="0" smtClean="0"/>
-              <a:t> input;    }</a:t>
-            </a:r>
-            <a:endParaRPr lang="en-GB" sz="2200" dirty="0"/>
+              <a:t>;  }</a:t>
+            </a:r>
+            <a:endParaRPr lang="en-GB" sz="2200" dirty="0" smtClean="0"/>
           </a:p>
         </p:txBody>
       </p:sp>
